--- a/2019/03/htp.2019.03.04-02.pptx
+++ b/2019/03/htp.2019.03.04-02.pptx
@@ -5,23 +5,27 @@
     <p:sldMasterId id="2147483648" r:id="rId1"/>
   </p:sldMasterIdLst>
   <p:notesMasterIdLst>
-    <p:notesMasterId r:id="rId13"/>
+    <p:notesMasterId r:id="rId17"/>
   </p:notesMasterIdLst>
   <p:handoutMasterIdLst>
-    <p:handoutMasterId r:id="rId14"/>
+    <p:handoutMasterId r:id="rId18"/>
   </p:handoutMasterIdLst>
   <p:sldIdLst>
     <p:sldId id="256" r:id="rId2"/>
     <p:sldId id="288" r:id="rId3"/>
     <p:sldId id="328" r:id="rId4"/>
-    <p:sldId id="330" r:id="rId5"/>
-    <p:sldId id="327" r:id="rId6"/>
-    <p:sldId id="331" r:id="rId7"/>
-    <p:sldId id="326" r:id="rId8"/>
-    <p:sldId id="325" r:id="rId9"/>
-    <p:sldId id="333" r:id="rId10"/>
-    <p:sldId id="334" r:id="rId11"/>
-    <p:sldId id="332" r:id="rId12"/>
+    <p:sldId id="337" r:id="rId5"/>
+    <p:sldId id="339" r:id="rId6"/>
+    <p:sldId id="330" r:id="rId7"/>
+    <p:sldId id="327" r:id="rId8"/>
+    <p:sldId id="326" r:id="rId9"/>
+    <p:sldId id="335" r:id="rId10"/>
+    <p:sldId id="331" r:id="rId11"/>
+    <p:sldId id="336" r:id="rId12"/>
+    <p:sldId id="325" r:id="rId13"/>
+    <p:sldId id="333" r:id="rId14"/>
+    <p:sldId id="334" r:id="rId15"/>
+    <p:sldId id="332" r:id="rId16"/>
   </p:sldIdLst>
   <p:sldSz cx="12192000" cy="6858000"/>
   <p:notesSz cx="6858000" cy="9144000"/>
@@ -136,10 +140,14 @@
         <p14:section name="OSS" id="{22673FB8-A584-4B22-8D06-20269D967DC8}">
           <p14:sldIdLst>
             <p14:sldId id="328"/>
+            <p14:sldId id="337"/>
+            <p14:sldId id="339"/>
             <p14:sldId id="330"/>
             <p14:sldId id="327"/>
+            <p14:sldId id="326"/>
+            <p14:sldId id="335"/>
             <p14:sldId id="331"/>
-            <p14:sldId id="326"/>
+            <p14:sldId id="336"/>
             <p14:sldId id="325"/>
             <p14:sldId id="333"/>
             <p14:sldId id="334"/>
@@ -252,7 +260,7 @@
           <a:p>
             <a:fld id="{30BCFC17-923C-4E5F-AB6C-5AE5260A447B}" type="datetimeFigureOut">
               <a:rPr lang="ru-RU" smtClean="0"/>
-              <a:t>03.03.2019</a:t>
+              <a:t>04.03.2019</a:t>
             </a:fld>
             <a:endParaRPr lang="ru-RU"/>
           </a:p>
@@ -429,7 +437,7 @@
           <a:p>
             <a:fld id="{FCD118CD-F0C5-452A-A7F7-828CAC5D8500}" type="datetimeFigureOut">
               <a:rPr lang="ru-RU" smtClean="0"/>
-              <a:t>03.03.2019</a:t>
+              <a:t>04.03.2019</a:t>
             </a:fld>
             <a:endParaRPr lang="ru-RU"/>
           </a:p>
@@ -930,7 +938,7 @@
           <a:p>
             <a:fld id="{AA4DA509-74D1-4911-BC60-BA4FA3573B51}" type="datetime1">
               <a:rPr lang="ru-RU" smtClean="0"/>
-              <a:t>03.03.2019</a:t>
+              <a:t>04.03.2019</a:t>
             </a:fld>
             <a:endParaRPr lang="ru-RU"/>
           </a:p>
@@ -1135,7 +1143,7 @@
           <a:p>
             <a:fld id="{47ABABF6-1680-45B3-921B-58CD32BE1A69}" type="datetime1">
               <a:rPr lang="ru-RU" smtClean="0"/>
-              <a:t>03.03.2019</a:t>
+              <a:t>04.03.2019</a:t>
             </a:fld>
             <a:endParaRPr lang="ru-RU"/>
           </a:p>
@@ -1345,7 +1353,7 @@
           <a:p>
             <a:fld id="{ACFDD49F-977F-4C8B-864B-00A4D1611A1D}" type="datetime1">
               <a:rPr lang="ru-RU" smtClean="0"/>
-              <a:t>03.03.2019</a:t>
+              <a:t>04.03.2019</a:t>
             </a:fld>
             <a:endParaRPr lang="ru-RU"/>
           </a:p>
@@ -1551,7 +1559,7 @@
           <a:p>
             <a:fld id="{442A7E7D-DEA4-4E8B-AA0F-7CF7F76A3087}" type="datetime1">
               <a:rPr lang="ru-RU" smtClean="0"/>
-              <a:t>03.03.2019</a:t>
+              <a:t>04.03.2019</a:t>
             </a:fld>
             <a:endParaRPr lang="ru-RU"/>
           </a:p>
@@ -1832,7 +1840,7 @@
           <a:p>
             <a:fld id="{5BEC8353-239D-4212-84D7-C0B9D2DFBD6D}" type="datetime1">
               <a:rPr lang="ru-RU" smtClean="0"/>
-              <a:t>03.03.2019</a:t>
+              <a:t>04.03.2019</a:t>
             </a:fld>
             <a:endParaRPr lang="ru-RU"/>
           </a:p>
@@ -2100,7 +2108,7 @@
           <a:p>
             <a:fld id="{89B6A1F2-1F36-43C6-95D0-57F4721D1C7A}" type="datetime1">
               <a:rPr lang="ru-RU" smtClean="0"/>
-              <a:t>03.03.2019</a:t>
+              <a:t>04.03.2019</a:t>
             </a:fld>
             <a:endParaRPr lang="ru-RU"/>
           </a:p>
@@ -2515,7 +2523,7 @@
           <a:p>
             <a:fld id="{6016AF81-D610-48DC-9162-E7D89E626A55}" type="datetime1">
               <a:rPr lang="ru-RU" smtClean="0"/>
-              <a:t>03.03.2019</a:t>
+              <a:t>04.03.2019</a:t>
             </a:fld>
             <a:endParaRPr lang="ru-RU"/>
           </a:p>
@@ -2657,7 +2665,7 @@
           <a:p>
             <a:fld id="{86263ED4-D2B5-45BE-A6AD-DD492CF59446}" type="datetime1">
               <a:rPr lang="ru-RU" smtClean="0"/>
-              <a:t>03.03.2019</a:t>
+              <a:t>04.03.2019</a:t>
             </a:fld>
             <a:endParaRPr lang="ru-RU"/>
           </a:p>
@@ -2770,7 +2778,7 @@
           <a:p>
             <a:fld id="{88163182-9035-49E6-B4C2-D51FEDEDA3F0}" type="datetime1">
               <a:rPr lang="ru-RU" smtClean="0"/>
-              <a:t>03.03.2019</a:t>
+              <a:t>04.03.2019</a:t>
             </a:fld>
             <a:endParaRPr lang="ru-RU"/>
           </a:p>
@@ -3083,7 +3091,7 @@
           <a:p>
             <a:fld id="{CE18D2C0-2028-466A-A119-D4641640E2B7}" type="datetime1">
               <a:rPr lang="ru-RU" smtClean="0"/>
-              <a:t>03.03.2019</a:t>
+              <a:t>04.03.2019</a:t>
             </a:fld>
             <a:endParaRPr lang="ru-RU"/>
           </a:p>
@@ -3372,7 +3380,7 @@
           <a:p>
             <a:fld id="{2418DD69-943B-4FED-B16B-EB58357A624D}" type="datetime1">
               <a:rPr lang="ru-RU" smtClean="0"/>
-              <a:t>03.03.2019</a:t>
+              <a:t>04.03.2019</a:t>
             </a:fld>
             <a:endParaRPr lang="ru-RU"/>
           </a:p>
@@ -3615,7 +3623,7 @@
           <a:p>
             <a:fld id="{C48F91C8-0B66-4DC6-82FA-37648DC343B9}" type="datetime1">
               <a:rPr lang="ru-RU" smtClean="0"/>
-              <a:t>03.03.2019</a:t>
+              <a:t>04.03.2019</a:t>
             </a:fld>
             <a:endParaRPr lang="ru-RU" dirty="0"/>
           </a:p>
@@ -4223,6 +4231,1106 @@
           <p:cNvPr id="2" name="Title 1">
             <a:extLst>
               <a:ext uri="{FF2B5EF4-FFF2-40B4-BE49-F238E27FC236}">
+                <a16:creationId xmlns:a16="http://schemas.microsoft.com/office/drawing/2014/main" id="{A03B99B7-4CB4-4DBC-831A-8C32CD9FBDD7}"/>
+              </a:ext>
+            </a:extLst>
+          </p:cNvPr>
+          <p:cNvSpPr>
+            <a:spLocks noGrp="1"/>
+          </p:cNvSpPr>
+          <p:nvPr>
+            <p:ph type="title"/>
+          </p:nvPr>
+        </p:nvSpPr>
+        <p:spPr/>
+        <p:txBody>
+          <a:bodyPr/>
+          <a:lstStyle/>
+          <a:p>
+            <a:r>
+              <a:rPr lang="en-US" dirty="0"/>
+              <a:t>Redis </a:t>
+            </a:r>
+            <a:r>
+              <a:rPr lang="ru-RU" dirty="0">
+                <a:sym typeface="Wingdings"/>
+              </a:rPr>
+              <a:t></a:t>
+            </a:r>
+            <a:r>
+              <a:rPr lang="en-US" dirty="0"/>
+              <a:t> </a:t>
+            </a:r>
+            <a:r>
+              <a:rPr lang="en-US" dirty="0" err="1"/>
+              <a:t>Tarantool</a:t>
+            </a:r>
+            <a:endParaRPr lang="ru-RU" dirty="0"/>
+          </a:p>
+        </p:txBody>
+      </p:sp>
+      <p:sp>
+        <p:nvSpPr>
+          <p:cNvPr id="3" name="Content Placeholder 2">
+            <a:extLst>
+              <a:ext uri="{FF2B5EF4-FFF2-40B4-BE49-F238E27FC236}">
+                <a16:creationId xmlns:a16="http://schemas.microsoft.com/office/drawing/2014/main" id="{9B6D1142-2241-41F2-9C6A-16A7F70F7B5F}"/>
+              </a:ext>
+            </a:extLst>
+          </p:cNvPr>
+          <p:cNvSpPr>
+            <a:spLocks noGrp="1"/>
+          </p:cNvSpPr>
+          <p:nvPr>
+            <p:ph idx="1"/>
+          </p:nvPr>
+        </p:nvSpPr>
+        <p:spPr/>
+        <p:txBody>
+          <a:bodyPr/>
+          <a:lstStyle/>
+          <a:p>
+            <a:r>
+              <a:rPr lang="ru-RU" dirty="0"/>
+              <a:t>Вторичные индексы</a:t>
+            </a:r>
+            <a:endParaRPr lang="en-US" dirty="0"/>
+          </a:p>
+          <a:p>
+            <a:endParaRPr lang="en-US" dirty="0"/>
+          </a:p>
+          <a:p>
+            <a:r>
+              <a:rPr lang="en-US" dirty="0"/>
+              <a:t>ACID</a:t>
+            </a:r>
+          </a:p>
+          <a:p>
+            <a:endParaRPr lang="en-US" dirty="0"/>
+          </a:p>
+          <a:p>
+            <a:r>
+              <a:rPr lang="en-US" dirty="0" err="1"/>
+              <a:t>MsgPack</a:t>
+            </a:r>
+            <a:endParaRPr lang="en-US" dirty="0"/>
+          </a:p>
+          <a:p>
+            <a:endParaRPr lang="ru-RU" dirty="0"/>
+          </a:p>
+          <a:p>
+            <a:r>
+              <a:rPr lang="ru-RU" dirty="0"/>
+              <a:t>Нет коннектора</a:t>
+            </a:r>
+            <a:endParaRPr lang="en-US" dirty="0"/>
+          </a:p>
+        </p:txBody>
+      </p:sp>
+    </p:spTree>
+    <p:extLst>
+      <p:ext uri="{BB962C8B-B14F-4D97-AF65-F5344CB8AC3E}">
+        <p14:creationId xmlns:p14="http://schemas.microsoft.com/office/powerpoint/2010/main" val="189256427"/>
+      </p:ext>
+    </p:extLst>
+  </p:cSld>
+  <p:clrMapOvr>
+    <a:masterClrMapping/>
+  </p:clrMapOvr>
+  <p:timing>
+    <p:tnLst>
+      <p:par>
+        <p:cTn id="1" dur="indefinite" restart="never" nodeType="tmRoot">
+          <p:childTnLst>
+            <p:seq concurrent="1" nextAc="seek">
+              <p:cTn id="2" dur="indefinite" nodeType="mainSeq">
+                <p:childTnLst>
+                  <p:par>
+                    <p:cTn id="3" fill="hold">
+                      <p:stCondLst>
+                        <p:cond delay="indefinite"/>
+                      </p:stCondLst>
+                      <p:childTnLst>
+                        <p:par>
+                          <p:cTn id="4" fill="hold">
+                            <p:stCondLst>
+                              <p:cond delay="0"/>
+                            </p:stCondLst>
+                            <p:childTnLst>
+                              <p:par>
+                                <p:cTn id="5" presetID="1" presetClass="entr" presetSubtype="0" fill="hold" grpId="0" nodeType="clickEffect">
+                                  <p:stCondLst>
+                                    <p:cond delay="0"/>
+                                  </p:stCondLst>
+                                  <p:childTnLst>
+                                    <p:set>
+                                      <p:cBhvr>
+                                        <p:cTn id="6" dur="1" fill="hold">
+                                          <p:stCondLst>
+                                            <p:cond delay="0"/>
+                                          </p:stCondLst>
+                                        </p:cTn>
+                                        <p:tgtEl>
+                                          <p:spTgt spid="3">
+                                            <p:txEl>
+                                              <p:pRg st="0" end="0"/>
+                                            </p:txEl>
+                                          </p:spTgt>
+                                        </p:tgtEl>
+                                        <p:attrNameLst>
+                                          <p:attrName>style.visibility</p:attrName>
+                                        </p:attrNameLst>
+                                      </p:cBhvr>
+                                      <p:to>
+                                        <p:strVal val="visible"/>
+                                      </p:to>
+                                    </p:set>
+                                  </p:childTnLst>
+                                </p:cTn>
+                              </p:par>
+                            </p:childTnLst>
+                          </p:cTn>
+                        </p:par>
+                      </p:childTnLst>
+                    </p:cTn>
+                  </p:par>
+                  <p:par>
+                    <p:cTn id="7" fill="hold">
+                      <p:stCondLst>
+                        <p:cond delay="indefinite"/>
+                      </p:stCondLst>
+                      <p:childTnLst>
+                        <p:par>
+                          <p:cTn id="8" fill="hold">
+                            <p:stCondLst>
+                              <p:cond delay="0"/>
+                            </p:stCondLst>
+                            <p:childTnLst>
+                              <p:par>
+                                <p:cTn id="9" presetID="1" presetClass="entr" presetSubtype="0" fill="hold" grpId="0" nodeType="clickEffect">
+                                  <p:stCondLst>
+                                    <p:cond delay="0"/>
+                                  </p:stCondLst>
+                                  <p:childTnLst>
+                                    <p:set>
+                                      <p:cBhvr>
+                                        <p:cTn id="10" dur="1" fill="hold">
+                                          <p:stCondLst>
+                                            <p:cond delay="0"/>
+                                          </p:stCondLst>
+                                        </p:cTn>
+                                        <p:tgtEl>
+                                          <p:spTgt spid="3">
+                                            <p:txEl>
+                                              <p:pRg st="2" end="2"/>
+                                            </p:txEl>
+                                          </p:spTgt>
+                                        </p:tgtEl>
+                                        <p:attrNameLst>
+                                          <p:attrName>style.visibility</p:attrName>
+                                        </p:attrNameLst>
+                                      </p:cBhvr>
+                                      <p:to>
+                                        <p:strVal val="visible"/>
+                                      </p:to>
+                                    </p:set>
+                                  </p:childTnLst>
+                                </p:cTn>
+                              </p:par>
+                            </p:childTnLst>
+                          </p:cTn>
+                        </p:par>
+                      </p:childTnLst>
+                    </p:cTn>
+                  </p:par>
+                  <p:par>
+                    <p:cTn id="11" fill="hold">
+                      <p:stCondLst>
+                        <p:cond delay="indefinite"/>
+                      </p:stCondLst>
+                      <p:childTnLst>
+                        <p:par>
+                          <p:cTn id="12" fill="hold">
+                            <p:stCondLst>
+                              <p:cond delay="0"/>
+                            </p:stCondLst>
+                            <p:childTnLst>
+                              <p:par>
+                                <p:cTn id="13" presetID="1" presetClass="entr" presetSubtype="0" fill="hold" grpId="0" nodeType="clickEffect">
+                                  <p:stCondLst>
+                                    <p:cond delay="0"/>
+                                  </p:stCondLst>
+                                  <p:childTnLst>
+                                    <p:set>
+                                      <p:cBhvr>
+                                        <p:cTn id="14" dur="1" fill="hold">
+                                          <p:stCondLst>
+                                            <p:cond delay="0"/>
+                                          </p:stCondLst>
+                                        </p:cTn>
+                                        <p:tgtEl>
+                                          <p:spTgt spid="3">
+                                            <p:txEl>
+                                              <p:pRg st="4" end="4"/>
+                                            </p:txEl>
+                                          </p:spTgt>
+                                        </p:tgtEl>
+                                        <p:attrNameLst>
+                                          <p:attrName>style.visibility</p:attrName>
+                                        </p:attrNameLst>
+                                      </p:cBhvr>
+                                      <p:to>
+                                        <p:strVal val="visible"/>
+                                      </p:to>
+                                    </p:set>
+                                  </p:childTnLst>
+                                </p:cTn>
+                              </p:par>
+                            </p:childTnLst>
+                          </p:cTn>
+                        </p:par>
+                      </p:childTnLst>
+                    </p:cTn>
+                  </p:par>
+                  <p:par>
+                    <p:cTn id="15" fill="hold">
+                      <p:stCondLst>
+                        <p:cond delay="indefinite"/>
+                      </p:stCondLst>
+                      <p:childTnLst>
+                        <p:par>
+                          <p:cTn id="16" fill="hold">
+                            <p:stCondLst>
+                              <p:cond delay="0"/>
+                            </p:stCondLst>
+                            <p:childTnLst>
+                              <p:par>
+                                <p:cTn id="17" presetID="1" presetClass="entr" presetSubtype="0" fill="hold" grpId="0" nodeType="clickEffect">
+                                  <p:stCondLst>
+                                    <p:cond delay="0"/>
+                                  </p:stCondLst>
+                                  <p:childTnLst>
+                                    <p:set>
+                                      <p:cBhvr>
+                                        <p:cTn id="18" dur="1" fill="hold">
+                                          <p:stCondLst>
+                                            <p:cond delay="0"/>
+                                          </p:stCondLst>
+                                        </p:cTn>
+                                        <p:tgtEl>
+                                          <p:spTgt spid="3">
+                                            <p:txEl>
+                                              <p:pRg st="6" end="6"/>
+                                            </p:txEl>
+                                          </p:spTgt>
+                                        </p:tgtEl>
+                                        <p:attrNameLst>
+                                          <p:attrName>style.visibility</p:attrName>
+                                        </p:attrNameLst>
+                                      </p:cBhvr>
+                                      <p:to>
+                                        <p:strVal val="visible"/>
+                                      </p:to>
+                                    </p:set>
+                                  </p:childTnLst>
+                                </p:cTn>
+                              </p:par>
+                            </p:childTnLst>
+                          </p:cTn>
+                        </p:par>
+                      </p:childTnLst>
+                    </p:cTn>
+                  </p:par>
+                </p:childTnLst>
+              </p:cTn>
+              <p:prevCondLst>
+                <p:cond evt="onPrev" delay="0">
+                  <p:tgtEl>
+                    <p:sldTgt/>
+                  </p:tgtEl>
+                </p:cond>
+              </p:prevCondLst>
+              <p:nextCondLst>
+                <p:cond evt="onNext" delay="0">
+                  <p:tgtEl>
+                    <p:sldTgt/>
+                  </p:tgtEl>
+                </p:cond>
+              </p:nextCondLst>
+            </p:seq>
+          </p:childTnLst>
+        </p:cTn>
+      </p:par>
+    </p:tnLst>
+    <p:bldLst>
+      <p:bldP spid="3" grpId="0" build="p"/>
+    </p:bldLst>
+  </p:timing>
+</p:sld>
+</file>
+
+<file path=ppt/slides/slide11.xml><?xml version="1.0" encoding="utf-8"?>
+<p:sld xmlns:a="http://schemas.openxmlformats.org/drawingml/2006/main" xmlns:r="http://schemas.openxmlformats.org/officeDocument/2006/relationships" xmlns:p="http://schemas.openxmlformats.org/presentationml/2006/main">
+  <p:cSld>
+    <p:spTree>
+      <p:nvGrpSpPr>
+        <p:cNvPr id="1" name=""/>
+        <p:cNvGrpSpPr/>
+        <p:nvPr/>
+      </p:nvGrpSpPr>
+      <p:grpSpPr>
+        <a:xfrm>
+          <a:off x="0" y="0"/>
+          <a:ext cx="0" cy="0"/>
+          <a:chOff x="0" y="0"/>
+          <a:chExt cx="0" cy="0"/>
+        </a:xfrm>
+      </p:grpSpPr>
+      <p:sp>
+        <p:nvSpPr>
+          <p:cNvPr id="2" name="Title 1">
+            <a:extLst>
+              <a:ext uri="{FF2B5EF4-FFF2-40B4-BE49-F238E27FC236}">
+                <a16:creationId xmlns:a16="http://schemas.microsoft.com/office/drawing/2014/main" id="{1AB96957-B962-4E7C-BBA3-EB88033E901A}"/>
+              </a:ext>
+            </a:extLst>
+          </p:cNvPr>
+          <p:cNvSpPr>
+            <a:spLocks noGrp="1"/>
+          </p:cNvSpPr>
+          <p:nvPr>
+            <p:ph type="title"/>
+          </p:nvPr>
+        </p:nvSpPr>
+        <p:spPr/>
+        <p:txBody>
+          <a:bodyPr/>
+          <a:lstStyle/>
+          <a:p>
+            <a:r>
+              <a:rPr lang="ru-RU" dirty="0"/>
+              <a:t>Коннектор</a:t>
+            </a:r>
+          </a:p>
+        </p:txBody>
+      </p:sp>
+      <p:sp>
+        <p:nvSpPr>
+          <p:cNvPr id="3" name="Content Placeholder 2">
+            <a:extLst>
+              <a:ext uri="{FF2B5EF4-FFF2-40B4-BE49-F238E27FC236}">
+                <a16:creationId xmlns:a16="http://schemas.microsoft.com/office/drawing/2014/main" id="{1B9045CA-D0A5-4273-BA4D-467F67F02CB8}"/>
+              </a:ext>
+            </a:extLst>
+          </p:cNvPr>
+          <p:cNvSpPr>
+            <a:spLocks noGrp="1"/>
+          </p:cNvSpPr>
+          <p:nvPr>
+            <p:ph idx="1"/>
+          </p:nvPr>
+        </p:nvSpPr>
+        <p:spPr/>
+        <p:txBody>
+          <a:bodyPr>
+            <a:normAutofit/>
+          </a:bodyPr>
+          <a:lstStyle/>
+          <a:p>
+            <a:r>
+              <a:rPr lang="en-US" dirty="0" err="1"/>
+              <a:t>tarantool.csharp</a:t>
+            </a:r>
+            <a:endParaRPr lang="en-US" dirty="0"/>
+          </a:p>
+          <a:p>
+            <a:endParaRPr lang="en-US" dirty="0"/>
+          </a:p>
+          <a:p>
+            <a:r>
+              <a:rPr lang="en-US" dirty="0" err="1"/>
+              <a:t>progaudi.tarantool</a:t>
+            </a:r>
+            <a:endParaRPr lang="en-US" dirty="0"/>
+          </a:p>
+          <a:p>
+            <a:endParaRPr lang="en-US" dirty="0"/>
+          </a:p>
+          <a:p>
+            <a:endParaRPr lang="ru-RU" dirty="0"/>
+          </a:p>
+        </p:txBody>
+      </p:sp>
+      <p:sp>
+        <p:nvSpPr>
+          <p:cNvPr id="4" name="Slide Number Placeholder 3">
+            <a:extLst>
+              <a:ext uri="{FF2B5EF4-FFF2-40B4-BE49-F238E27FC236}">
+                <a16:creationId xmlns:a16="http://schemas.microsoft.com/office/drawing/2014/main" id="{E33E2DF8-372F-484D-BC94-839443AC7A1C}"/>
+              </a:ext>
+            </a:extLst>
+          </p:cNvPr>
+          <p:cNvSpPr>
+            <a:spLocks noGrp="1"/>
+          </p:cNvSpPr>
+          <p:nvPr>
+            <p:ph type="sldNum" sz="quarter" idx="12"/>
+          </p:nvPr>
+        </p:nvSpPr>
+        <p:spPr/>
+        <p:txBody>
+          <a:bodyPr/>
+          <a:lstStyle/>
+          <a:p>
+            <a:fld id="{7E52E65D-D159-4FFD-8E13-76F17EC727ED}" type="slidenum">
+              <a:rPr lang="ru-RU" smtClean="0"/>
+              <a:pPr/>
+              <a:t>11</a:t>
+            </a:fld>
+            <a:endParaRPr lang="ru-RU" dirty="0"/>
+          </a:p>
+        </p:txBody>
+      </p:sp>
+    </p:spTree>
+    <p:extLst>
+      <p:ext uri="{BB962C8B-B14F-4D97-AF65-F5344CB8AC3E}">
+        <p14:creationId xmlns:p14="http://schemas.microsoft.com/office/powerpoint/2010/main" val="1820465860"/>
+      </p:ext>
+    </p:extLst>
+  </p:cSld>
+  <p:clrMapOvr>
+    <a:masterClrMapping/>
+  </p:clrMapOvr>
+</p:sld>
+</file>
+
+<file path=ppt/slides/slide12.xml><?xml version="1.0" encoding="utf-8"?>
+<p:sld xmlns:a="http://schemas.openxmlformats.org/drawingml/2006/main" xmlns:r="http://schemas.openxmlformats.org/officeDocument/2006/relationships" xmlns:p="http://schemas.openxmlformats.org/presentationml/2006/main">
+  <p:cSld>
+    <p:spTree>
+      <p:nvGrpSpPr>
+        <p:cNvPr id="1" name=""/>
+        <p:cNvGrpSpPr/>
+        <p:nvPr/>
+      </p:nvGrpSpPr>
+      <p:grpSpPr>
+        <a:xfrm>
+          <a:off x="0" y="0"/>
+          <a:ext cx="0" cy="0"/>
+          <a:chOff x="0" y="0"/>
+          <a:chExt cx="0" cy="0"/>
+        </a:xfrm>
+      </p:grpSpPr>
+      <p:sp>
+        <p:nvSpPr>
+          <p:cNvPr id="2" name="Title 1">
+            <a:extLst>
+              <a:ext uri="{FF2B5EF4-FFF2-40B4-BE49-F238E27FC236}">
+                <a16:creationId xmlns:a16="http://schemas.microsoft.com/office/drawing/2014/main" id="{ACEF3E7C-9082-4100-8E25-2D8677E3E406}"/>
+              </a:ext>
+            </a:extLst>
+          </p:cNvPr>
+          <p:cNvSpPr>
+            <a:spLocks noGrp="1"/>
+          </p:cNvSpPr>
+          <p:nvPr>
+            <p:ph type="title"/>
+          </p:nvPr>
+        </p:nvSpPr>
+        <p:spPr/>
+        <p:txBody>
+          <a:bodyPr/>
+          <a:lstStyle/>
+          <a:p>
+            <a:r>
+              <a:rPr lang="ru-RU" dirty="0"/>
+              <a:t>Подготовка</a:t>
+            </a:r>
+          </a:p>
+        </p:txBody>
+      </p:sp>
+      <p:sp>
+        <p:nvSpPr>
+          <p:cNvPr id="3" name="Content Placeholder 2">
+            <a:extLst>
+              <a:ext uri="{FF2B5EF4-FFF2-40B4-BE49-F238E27FC236}">
+                <a16:creationId xmlns:a16="http://schemas.microsoft.com/office/drawing/2014/main" id="{D9245FF5-1CB5-4876-8E9D-E6EA0AB96625}"/>
+              </a:ext>
+            </a:extLst>
+          </p:cNvPr>
+          <p:cNvSpPr>
+            <a:spLocks noGrp="1"/>
+          </p:cNvSpPr>
+          <p:nvPr>
+            <p:ph idx="1"/>
+          </p:nvPr>
+        </p:nvSpPr>
+        <p:spPr/>
+        <p:txBody>
+          <a:bodyPr/>
+          <a:lstStyle/>
+          <a:p>
+            <a:r>
+              <a:rPr lang="ru-RU" dirty="0"/>
+              <a:t>27 июня 2016 – </a:t>
+            </a:r>
+            <a:r>
+              <a:rPr lang="en-US" dirty="0" err="1"/>
+              <a:t>.net</a:t>
+            </a:r>
+            <a:r>
+              <a:rPr lang="en-US" dirty="0"/>
+              <a:t> core 1.0 release</a:t>
+            </a:r>
+          </a:p>
+          <a:p>
+            <a:endParaRPr lang="en-US" dirty="0"/>
+          </a:p>
+          <a:p>
+            <a:r>
+              <a:rPr lang="en-US" dirty="0"/>
+              <a:t>05 </a:t>
+            </a:r>
+            <a:r>
+              <a:rPr lang="ru-RU" dirty="0"/>
+              <a:t>апреля 2016 – первый коммит</a:t>
+            </a:r>
+          </a:p>
+          <a:p>
+            <a:endParaRPr lang="ru-RU" dirty="0"/>
+          </a:p>
+          <a:p>
+            <a:r>
+              <a:rPr lang="ru-RU" dirty="0"/>
+              <a:t>Было несколько форков</a:t>
+            </a:r>
+            <a:r>
+              <a:rPr lang="en-US" dirty="0"/>
+              <a:t> </a:t>
+            </a:r>
+            <a:r>
+              <a:rPr lang="ru-RU" dirty="0"/>
+              <a:t>всякого из </a:t>
+            </a:r>
+            <a:r>
+              <a:rPr lang="en-US" dirty="0"/>
+              <a:t>OSS</a:t>
+            </a:r>
+            <a:endParaRPr lang="ru-RU" dirty="0"/>
+          </a:p>
+        </p:txBody>
+      </p:sp>
+    </p:spTree>
+    <p:extLst>
+      <p:ext uri="{BB962C8B-B14F-4D97-AF65-F5344CB8AC3E}">
+        <p14:creationId xmlns:p14="http://schemas.microsoft.com/office/powerpoint/2010/main" val="1259121275"/>
+      </p:ext>
+    </p:extLst>
+  </p:cSld>
+  <p:clrMapOvr>
+    <a:masterClrMapping/>
+  </p:clrMapOvr>
+  <p:timing>
+    <p:tnLst>
+      <p:par>
+        <p:cTn id="1" dur="indefinite" restart="never" nodeType="tmRoot">
+          <p:childTnLst>
+            <p:seq concurrent="1" nextAc="seek">
+              <p:cTn id="2" dur="indefinite" nodeType="mainSeq">
+                <p:childTnLst>
+                  <p:par>
+                    <p:cTn id="3" fill="hold">
+                      <p:stCondLst>
+                        <p:cond delay="indefinite"/>
+                      </p:stCondLst>
+                      <p:childTnLst>
+                        <p:par>
+                          <p:cTn id="4" fill="hold">
+                            <p:stCondLst>
+                              <p:cond delay="0"/>
+                            </p:stCondLst>
+                            <p:childTnLst>
+                              <p:par>
+                                <p:cTn id="5" presetID="1" presetClass="entr" presetSubtype="0" fill="hold" grpId="0" nodeType="clickEffect">
+                                  <p:stCondLst>
+                                    <p:cond delay="0"/>
+                                  </p:stCondLst>
+                                  <p:childTnLst>
+                                    <p:set>
+                                      <p:cBhvr>
+                                        <p:cTn id="6" dur="1" fill="hold">
+                                          <p:stCondLst>
+                                            <p:cond delay="0"/>
+                                          </p:stCondLst>
+                                        </p:cTn>
+                                        <p:tgtEl>
+                                          <p:spTgt spid="3">
+                                            <p:txEl>
+                                              <p:pRg st="0" end="0"/>
+                                            </p:txEl>
+                                          </p:spTgt>
+                                        </p:tgtEl>
+                                        <p:attrNameLst>
+                                          <p:attrName>style.visibility</p:attrName>
+                                        </p:attrNameLst>
+                                      </p:cBhvr>
+                                      <p:to>
+                                        <p:strVal val="visible"/>
+                                      </p:to>
+                                    </p:set>
+                                  </p:childTnLst>
+                                </p:cTn>
+                              </p:par>
+                            </p:childTnLst>
+                          </p:cTn>
+                        </p:par>
+                      </p:childTnLst>
+                    </p:cTn>
+                  </p:par>
+                  <p:par>
+                    <p:cTn id="7" fill="hold">
+                      <p:stCondLst>
+                        <p:cond delay="indefinite"/>
+                      </p:stCondLst>
+                      <p:childTnLst>
+                        <p:par>
+                          <p:cTn id="8" fill="hold">
+                            <p:stCondLst>
+                              <p:cond delay="0"/>
+                            </p:stCondLst>
+                            <p:childTnLst>
+                              <p:par>
+                                <p:cTn id="9" presetID="1" presetClass="entr" presetSubtype="0" fill="hold" grpId="0" nodeType="clickEffect">
+                                  <p:stCondLst>
+                                    <p:cond delay="0"/>
+                                  </p:stCondLst>
+                                  <p:childTnLst>
+                                    <p:set>
+                                      <p:cBhvr>
+                                        <p:cTn id="10" dur="1" fill="hold">
+                                          <p:stCondLst>
+                                            <p:cond delay="0"/>
+                                          </p:stCondLst>
+                                        </p:cTn>
+                                        <p:tgtEl>
+                                          <p:spTgt spid="3">
+                                            <p:txEl>
+                                              <p:pRg st="2" end="2"/>
+                                            </p:txEl>
+                                          </p:spTgt>
+                                        </p:tgtEl>
+                                        <p:attrNameLst>
+                                          <p:attrName>style.visibility</p:attrName>
+                                        </p:attrNameLst>
+                                      </p:cBhvr>
+                                      <p:to>
+                                        <p:strVal val="visible"/>
+                                      </p:to>
+                                    </p:set>
+                                  </p:childTnLst>
+                                </p:cTn>
+                              </p:par>
+                            </p:childTnLst>
+                          </p:cTn>
+                        </p:par>
+                      </p:childTnLst>
+                    </p:cTn>
+                  </p:par>
+                  <p:par>
+                    <p:cTn id="11" fill="hold">
+                      <p:stCondLst>
+                        <p:cond delay="indefinite"/>
+                      </p:stCondLst>
+                      <p:childTnLst>
+                        <p:par>
+                          <p:cTn id="12" fill="hold">
+                            <p:stCondLst>
+                              <p:cond delay="0"/>
+                            </p:stCondLst>
+                            <p:childTnLst>
+                              <p:par>
+                                <p:cTn id="13" presetID="1" presetClass="entr" presetSubtype="0" fill="hold" grpId="0" nodeType="clickEffect">
+                                  <p:stCondLst>
+                                    <p:cond delay="0"/>
+                                  </p:stCondLst>
+                                  <p:childTnLst>
+                                    <p:set>
+                                      <p:cBhvr>
+                                        <p:cTn id="14" dur="1" fill="hold">
+                                          <p:stCondLst>
+                                            <p:cond delay="0"/>
+                                          </p:stCondLst>
+                                        </p:cTn>
+                                        <p:tgtEl>
+                                          <p:spTgt spid="3">
+                                            <p:txEl>
+                                              <p:pRg st="4" end="4"/>
+                                            </p:txEl>
+                                          </p:spTgt>
+                                        </p:tgtEl>
+                                        <p:attrNameLst>
+                                          <p:attrName>style.visibility</p:attrName>
+                                        </p:attrNameLst>
+                                      </p:cBhvr>
+                                      <p:to>
+                                        <p:strVal val="visible"/>
+                                      </p:to>
+                                    </p:set>
+                                  </p:childTnLst>
+                                </p:cTn>
+                              </p:par>
+                            </p:childTnLst>
+                          </p:cTn>
+                        </p:par>
+                      </p:childTnLst>
+                    </p:cTn>
+                  </p:par>
+                </p:childTnLst>
+              </p:cTn>
+              <p:prevCondLst>
+                <p:cond evt="onPrev" delay="0">
+                  <p:tgtEl>
+                    <p:sldTgt/>
+                  </p:tgtEl>
+                </p:cond>
+              </p:prevCondLst>
+              <p:nextCondLst>
+                <p:cond evt="onNext" delay="0">
+                  <p:tgtEl>
+                    <p:sldTgt/>
+                  </p:tgtEl>
+                </p:cond>
+              </p:nextCondLst>
+            </p:seq>
+          </p:childTnLst>
+        </p:cTn>
+      </p:par>
+    </p:tnLst>
+    <p:bldLst>
+      <p:bldP spid="3" grpId="0" build="p"/>
+    </p:bldLst>
+  </p:timing>
+</p:sld>
+</file>
+
+<file path=ppt/slides/slide13.xml><?xml version="1.0" encoding="utf-8"?>
+<p:sld xmlns:a="http://schemas.openxmlformats.org/drawingml/2006/main" xmlns:r="http://schemas.openxmlformats.org/officeDocument/2006/relationships" xmlns:p="http://schemas.openxmlformats.org/presentationml/2006/main">
+  <p:cSld>
+    <p:spTree>
+      <p:nvGrpSpPr>
+        <p:cNvPr id="1" name=""/>
+        <p:cNvGrpSpPr/>
+        <p:nvPr/>
+      </p:nvGrpSpPr>
+      <p:grpSpPr>
+        <a:xfrm>
+          <a:off x="0" y="0"/>
+          <a:ext cx="0" cy="0"/>
+          <a:chOff x="0" y="0"/>
+          <a:chExt cx="0" cy="0"/>
+        </a:xfrm>
+      </p:grpSpPr>
+      <p:sp>
+        <p:nvSpPr>
+          <p:cNvPr id="2" name="Title 1">
+            <a:extLst>
+              <a:ext uri="{FF2B5EF4-FFF2-40B4-BE49-F238E27FC236}">
+                <a16:creationId xmlns:a16="http://schemas.microsoft.com/office/drawing/2014/main" id="{ACEF3E7C-9082-4100-8E25-2D8677E3E406}"/>
+              </a:ext>
+            </a:extLst>
+          </p:cNvPr>
+          <p:cNvSpPr>
+            <a:spLocks noGrp="1"/>
+          </p:cNvSpPr>
+          <p:nvPr>
+            <p:ph type="title"/>
+          </p:nvPr>
+        </p:nvSpPr>
+        <p:spPr/>
+        <p:txBody>
+          <a:bodyPr/>
+          <a:lstStyle/>
+          <a:p>
+            <a:r>
+              <a:rPr lang="ru-RU" dirty="0"/>
+              <a:t>Процесс</a:t>
+            </a:r>
+          </a:p>
+        </p:txBody>
+      </p:sp>
+      <p:sp>
+        <p:nvSpPr>
+          <p:cNvPr id="3" name="Content Placeholder 2">
+            <a:extLst>
+              <a:ext uri="{FF2B5EF4-FFF2-40B4-BE49-F238E27FC236}">
+                <a16:creationId xmlns:a16="http://schemas.microsoft.com/office/drawing/2014/main" id="{D9245FF5-1CB5-4876-8E9D-E6EA0AB96625}"/>
+              </a:ext>
+            </a:extLst>
+          </p:cNvPr>
+          <p:cNvSpPr>
+            <a:spLocks noGrp="1"/>
+          </p:cNvSpPr>
+          <p:nvPr>
+            <p:ph idx="1"/>
+          </p:nvPr>
+        </p:nvSpPr>
+        <p:spPr/>
+        <p:txBody>
+          <a:bodyPr/>
+          <a:lstStyle/>
+          <a:p>
+            <a:r>
+              <a:rPr lang="en-US" dirty="0"/>
+              <a:t>CI/CD</a:t>
+            </a:r>
+          </a:p>
+          <a:p>
+            <a:endParaRPr lang="en-US" dirty="0"/>
+          </a:p>
+          <a:p>
+            <a:r>
+              <a:rPr lang="en-US" dirty="0"/>
+              <a:t>Scrum, Kanban, </a:t>
+            </a:r>
+            <a:r>
+              <a:rPr lang="en-US" dirty="0" err="1"/>
+              <a:t>etc</a:t>
+            </a:r>
+            <a:endParaRPr lang="en-US" dirty="0"/>
+          </a:p>
+          <a:p>
+            <a:endParaRPr lang="en-US" dirty="0"/>
+          </a:p>
+          <a:p>
+            <a:r>
+              <a:rPr lang="en-US" dirty="0"/>
+              <a:t>Open/open-closed?</a:t>
+            </a:r>
+            <a:endParaRPr lang="ru-RU" dirty="0"/>
+          </a:p>
+          <a:p>
+            <a:endParaRPr lang="ru-RU" dirty="0"/>
+          </a:p>
+          <a:p>
+            <a:endParaRPr lang="ru-RU" dirty="0"/>
+          </a:p>
+        </p:txBody>
+      </p:sp>
+    </p:spTree>
+    <p:extLst>
+      <p:ext uri="{BB962C8B-B14F-4D97-AF65-F5344CB8AC3E}">
+        <p14:creationId xmlns:p14="http://schemas.microsoft.com/office/powerpoint/2010/main" val="2119692846"/>
+      </p:ext>
+    </p:extLst>
+  </p:cSld>
+  <p:clrMapOvr>
+    <a:masterClrMapping/>
+  </p:clrMapOvr>
+  <p:timing>
+    <p:tnLst>
+      <p:par>
+        <p:cTn id="1" dur="indefinite" restart="never" nodeType="tmRoot">
+          <p:childTnLst>
+            <p:seq concurrent="1" nextAc="seek">
+              <p:cTn id="2" dur="indefinite" nodeType="mainSeq">
+                <p:childTnLst>
+                  <p:par>
+                    <p:cTn id="3" fill="hold">
+                      <p:stCondLst>
+                        <p:cond delay="indefinite"/>
+                      </p:stCondLst>
+                      <p:childTnLst>
+                        <p:par>
+                          <p:cTn id="4" fill="hold">
+                            <p:stCondLst>
+                              <p:cond delay="0"/>
+                            </p:stCondLst>
+                            <p:childTnLst>
+                              <p:par>
+                                <p:cTn id="5" presetID="1" presetClass="entr" presetSubtype="0" fill="hold" grpId="0" nodeType="clickEffect">
+                                  <p:stCondLst>
+                                    <p:cond delay="0"/>
+                                  </p:stCondLst>
+                                  <p:childTnLst>
+                                    <p:set>
+                                      <p:cBhvr>
+                                        <p:cTn id="6" dur="1" fill="hold">
+                                          <p:stCondLst>
+                                            <p:cond delay="0"/>
+                                          </p:stCondLst>
+                                        </p:cTn>
+                                        <p:tgtEl>
+                                          <p:spTgt spid="3">
+                                            <p:txEl>
+                                              <p:pRg st="0" end="0"/>
+                                            </p:txEl>
+                                          </p:spTgt>
+                                        </p:tgtEl>
+                                        <p:attrNameLst>
+                                          <p:attrName>style.visibility</p:attrName>
+                                        </p:attrNameLst>
+                                      </p:cBhvr>
+                                      <p:to>
+                                        <p:strVal val="visible"/>
+                                      </p:to>
+                                    </p:set>
+                                  </p:childTnLst>
+                                </p:cTn>
+                              </p:par>
+                            </p:childTnLst>
+                          </p:cTn>
+                        </p:par>
+                      </p:childTnLst>
+                    </p:cTn>
+                  </p:par>
+                  <p:par>
+                    <p:cTn id="7" fill="hold">
+                      <p:stCondLst>
+                        <p:cond delay="indefinite"/>
+                      </p:stCondLst>
+                      <p:childTnLst>
+                        <p:par>
+                          <p:cTn id="8" fill="hold">
+                            <p:stCondLst>
+                              <p:cond delay="0"/>
+                            </p:stCondLst>
+                            <p:childTnLst>
+                              <p:par>
+                                <p:cTn id="9" presetID="1" presetClass="entr" presetSubtype="0" fill="hold" grpId="0" nodeType="clickEffect">
+                                  <p:stCondLst>
+                                    <p:cond delay="0"/>
+                                  </p:stCondLst>
+                                  <p:childTnLst>
+                                    <p:set>
+                                      <p:cBhvr>
+                                        <p:cTn id="10" dur="1" fill="hold">
+                                          <p:stCondLst>
+                                            <p:cond delay="0"/>
+                                          </p:stCondLst>
+                                        </p:cTn>
+                                        <p:tgtEl>
+                                          <p:spTgt spid="3">
+                                            <p:txEl>
+                                              <p:pRg st="2" end="2"/>
+                                            </p:txEl>
+                                          </p:spTgt>
+                                        </p:tgtEl>
+                                        <p:attrNameLst>
+                                          <p:attrName>style.visibility</p:attrName>
+                                        </p:attrNameLst>
+                                      </p:cBhvr>
+                                      <p:to>
+                                        <p:strVal val="visible"/>
+                                      </p:to>
+                                    </p:set>
+                                  </p:childTnLst>
+                                </p:cTn>
+                              </p:par>
+                            </p:childTnLst>
+                          </p:cTn>
+                        </p:par>
+                      </p:childTnLst>
+                    </p:cTn>
+                  </p:par>
+                  <p:par>
+                    <p:cTn id="11" fill="hold">
+                      <p:stCondLst>
+                        <p:cond delay="indefinite"/>
+                      </p:stCondLst>
+                      <p:childTnLst>
+                        <p:par>
+                          <p:cTn id="12" fill="hold">
+                            <p:stCondLst>
+                              <p:cond delay="0"/>
+                            </p:stCondLst>
+                            <p:childTnLst>
+                              <p:par>
+                                <p:cTn id="13" presetID="1" presetClass="entr" presetSubtype="0" fill="hold" grpId="0" nodeType="clickEffect">
+                                  <p:stCondLst>
+                                    <p:cond delay="0"/>
+                                  </p:stCondLst>
+                                  <p:childTnLst>
+                                    <p:set>
+                                      <p:cBhvr>
+                                        <p:cTn id="14" dur="1" fill="hold">
+                                          <p:stCondLst>
+                                            <p:cond delay="0"/>
+                                          </p:stCondLst>
+                                        </p:cTn>
+                                        <p:tgtEl>
+                                          <p:spTgt spid="3">
+                                            <p:txEl>
+                                              <p:pRg st="4" end="4"/>
+                                            </p:txEl>
+                                          </p:spTgt>
+                                        </p:tgtEl>
+                                        <p:attrNameLst>
+                                          <p:attrName>style.visibility</p:attrName>
+                                        </p:attrNameLst>
+                                      </p:cBhvr>
+                                      <p:to>
+                                        <p:strVal val="visible"/>
+                                      </p:to>
+                                    </p:set>
+                                  </p:childTnLst>
+                                </p:cTn>
+                              </p:par>
+                            </p:childTnLst>
+                          </p:cTn>
+                        </p:par>
+                      </p:childTnLst>
+                    </p:cTn>
+                  </p:par>
+                </p:childTnLst>
+              </p:cTn>
+              <p:prevCondLst>
+                <p:cond evt="onPrev" delay="0">
+                  <p:tgtEl>
+                    <p:sldTgt/>
+                  </p:tgtEl>
+                </p:cond>
+              </p:prevCondLst>
+              <p:nextCondLst>
+                <p:cond evt="onNext" delay="0">
+                  <p:tgtEl>
+                    <p:sldTgt/>
+                  </p:tgtEl>
+                </p:cond>
+              </p:nextCondLst>
+            </p:seq>
+          </p:childTnLst>
+        </p:cTn>
+      </p:par>
+    </p:tnLst>
+    <p:bldLst>
+      <p:bldP spid="3" grpId="0" build="p"/>
+    </p:bldLst>
+  </p:timing>
+</p:sld>
+</file>
+
+<file path=ppt/slides/slide14.xml><?xml version="1.0" encoding="utf-8"?>
+<p:sld xmlns:a="http://schemas.openxmlformats.org/drawingml/2006/main" xmlns:r="http://schemas.openxmlformats.org/officeDocument/2006/relationships" xmlns:p="http://schemas.openxmlformats.org/presentationml/2006/main">
+  <p:cSld>
+    <p:spTree>
+      <p:nvGrpSpPr>
+        <p:cNvPr id="1" name=""/>
+        <p:cNvGrpSpPr/>
+        <p:nvPr/>
+      </p:nvGrpSpPr>
+      <p:grpSpPr>
+        <a:xfrm>
+          <a:off x="0" y="0"/>
+          <a:ext cx="0" cy="0"/>
+          <a:chOff x="0" y="0"/>
+          <a:chExt cx="0" cy="0"/>
+        </a:xfrm>
+      </p:grpSpPr>
+      <p:sp>
+        <p:nvSpPr>
+          <p:cNvPr id="2" name="Title 1">
+            <a:extLst>
+              <a:ext uri="{FF2B5EF4-FFF2-40B4-BE49-F238E27FC236}">
                 <a16:creationId xmlns:a16="http://schemas.microsoft.com/office/drawing/2014/main" id="{ACEF3E7C-9082-4100-8E25-2D8677E3E406}"/>
               </a:ext>
             </a:extLst>
@@ -4438,7 +5546,7 @@
 </p:sld>
 </file>
 
-<file path=ppt/slides/slide11.xml><?xml version="1.0" encoding="utf-8"?>
+<file path=ppt/slides/slide15.xml><?xml version="1.0" encoding="utf-8"?>
 <p:sld xmlns:a="http://schemas.openxmlformats.org/drawingml/2006/main" xmlns:r="http://schemas.openxmlformats.org/officeDocument/2006/relationships" xmlns:p="http://schemas.openxmlformats.org/presentationml/2006/main">
   <p:cSld>
     <p:spTree>
@@ -5157,6 +6265,276 @@
 </file>
 
 <file path=ppt/slides/slide4.xml><?xml version="1.0" encoding="utf-8"?>
+<p:sld xmlns:a="http://schemas.openxmlformats.org/drawingml/2006/main" xmlns:r="http://schemas.openxmlformats.org/officeDocument/2006/relationships" xmlns:p="http://schemas.openxmlformats.org/presentationml/2006/main">
+  <p:cSld>
+    <p:spTree>
+      <p:nvGrpSpPr>
+        <p:cNvPr id="1" name=""/>
+        <p:cNvGrpSpPr/>
+        <p:nvPr/>
+      </p:nvGrpSpPr>
+      <p:grpSpPr>
+        <a:xfrm>
+          <a:off x="0" y="0"/>
+          <a:ext cx="0" cy="0"/>
+          <a:chOff x="0" y="0"/>
+          <a:chExt cx="0" cy="0"/>
+        </a:xfrm>
+      </p:grpSpPr>
+      <p:sp>
+        <p:nvSpPr>
+          <p:cNvPr id="2" name="Title 1">
+            <a:extLst>
+              <a:ext uri="{FF2B5EF4-FFF2-40B4-BE49-F238E27FC236}">
+                <a16:creationId xmlns:a16="http://schemas.microsoft.com/office/drawing/2014/main" id="{B759A5B6-1978-42C4-9F23-08648C2DCE5C}"/>
+              </a:ext>
+            </a:extLst>
+          </p:cNvPr>
+          <p:cNvSpPr>
+            <a:spLocks noGrp="1"/>
+          </p:cNvSpPr>
+          <p:nvPr>
+            <p:ph type="title"/>
+          </p:nvPr>
+        </p:nvSpPr>
+        <p:spPr/>
+        <p:txBody>
+          <a:bodyPr/>
+          <a:lstStyle/>
+          <a:p>
+            <a:r>
+              <a:rPr lang="ru-RU" dirty="0"/>
+              <a:t>Необходимые условия</a:t>
+            </a:r>
+          </a:p>
+        </p:txBody>
+      </p:sp>
+      <p:sp>
+        <p:nvSpPr>
+          <p:cNvPr id="3" name="Content Placeholder 2">
+            <a:extLst>
+              <a:ext uri="{FF2B5EF4-FFF2-40B4-BE49-F238E27FC236}">
+                <a16:creationId xmlns:a16="http://schemas.microsoft.com/office/drawing/2014/main" id="{FBE98E23-587D-4D0A-940D-7614B03C7FE8}"/>
+              </a:ext>
+            </a:extLst>
+          </p:cNvPr>
+          <p:cNvSpPr>
+            <a:spLocks noGrp="1"/>
+          </p:cNvSpPr>
+          <p:nvPr>
+            <p:ph idx="1"/>
+          </p:nvPr>
+        </p:nvSpPr>
+        <p:spPr/>
+        <p:txBody>
+          <a:bodyPr/>
+          <a:lstStyle/>
+          <a:p>
+            <a:r>
+              <a:rPr lang="ru-RU" dirty="0"/>
+              <a:t>Желание команды</a:t>
+            </a:r>
+          </a:p>
+          <a:p>
+            <a:endParaRPr lang="ru-RU" dirty="0"/>
+          </a:p>
+          <a:p>
+            <a:r>
+              <a:rPr lang="ru-RU" dirty="0"/>
+              <a:t>Согласие руководства</a:t>
+            </a:r>
+          </a:p>
+          <a:p>
+            <a:endParaRPr lang="ru-RU" dirty="0"/>
+          </a:p>
+          <a:p>
+            <a:endParaRPr lang="ru-RU" dirty="0"/>
+          </a:p>
+        </p:txBody>
+      </p:sp>
+      <p:sp>
+        <p:nvSpPr>
+          <p:cNvPr id="4" name="Slide Number Placeholder 3">
+            <a:extLst>
+              <a:ext uri="{FF2B5EF4-FFF2-40B4-BE49-F238E27FC236}">
+                <a16:creationId xmlns:a16="http://schemas.microsoft.com/office/drawing/2014/main" id="{E3B54B00-BD7E-43D4-B818-6682E81CC790}"/>
+              </a:ext>
+            </a:extLst>
+          </p:cNvPr>
+          <p:cNvSpPr>
+            <a:spLocks noGrp="1"/>
+          </p:cNvSpPr>
+          <p:nvPr>
+            <p:ph type="sldNum" sz="quarter" idx="12"/>
+          </p:nvPr>
+        </p:nvSpPr>
+        <p:spPr/>
+        <p:txBody>
+          <a:bodyPr/>
+          <a:lstStyle/>
+          <a:p>
+            <a:fld id="{7E52E65D-D159-4FFD-8E13-76F17EC727ED}" type="slidenum">
+              <a:rPr lang="ru-RU" smtClean="0"/>
+              <a:pPr/>
+              <a:t>4</a:t>
+            </a:fld>
+            <a:endParaRPr lang="ru-RU" dirty="0"/>
+          </a:p>
+        </p:txBody>
+      </p:sp>
+    </p:spTree>
+    <p:extLst>
+      <p:ext uri="{BB962C8B-B14F-4D97-AF65-F5344CB8AC3E}">
+        <p14:creationId xmlns:p14="http://schemas.microsoft.com/office/powerpoint/2010/main" val="3025521189"/>
+      </p:ext>
+    </p:extLst>
+  </p:cSld>
+  <p:clrMapOvr>
+    <a:masterClrMapping/>
+  </p:clrMapOvr>
+</p:sld>
+</file>
+
+<file path=ppt/slides/slide5.xml><?xml version="1.0" encoding="utf-8"?>
+<p:sld xmlns:a="http://schemas.openxmlformats.org/drawingml/2006/main" xmlns:r="http://schemas.openxmlformats.org/officeDocument/2006/relationships" xmlns:p="http://schemas.openxmlformats.org/presentationml/2006/main">
+  <p:cSld>
+    <p:spTree>
+      <p:nvGrpSpPr>
+        <p:cNvPr id="1" name=""/>
+        <p:cNvGrpSpPr/>
+        <p:nvPr/>
+      </p:nvGrpSpPr>
+      <p:grpSpPr>
+        <a:xfrm>
+          <a:off x="0" y="0"/>
+          <a:ext cx="0" cy="0"/>
+          <a:chOff x="0" y="0"/>
+          <a:chExt cx="0" cy="0"/>
+        </a:xfrm>
+      </p:grpSpPr>
+      <p:sp>
+        <p:nvSpPr>
+          <p:cNvPr id="2" name="Title 1">
+            <a:extLst>
+              <a:ext uri="{FF2B5EF4-FFF2-40B4-BE49-F238E27FC236}">
+                <a16:creationId xmlns:a16="http://schemas.microsoft.com/office/drawing/2014/main" id="{E5567419-B003-49D9-A002-307042237142}"/>
+              </a:ext>
+            </a:extLst>
+          </p:cNvPr>
+          <p:cNvSpPr>
+            <a:spLocks noGrp="1"/>
+          </p:cNvSpPr>
+          <p:nvPr>
+            <p:ph type="title"/>
+          </p:nvPr>
+        </p:nvSpPr>
+        <p:spPr/>
+        <p:txBody>
+          <a:bodyPr/>
+          <a:lstStyle/>
+          <a:p>
+            <a:r>
+              <a:rPr lang="ru-RU" dirty="0"/>
+              <a:t>Риски</a:t>
+            </a:r>
+          </a:p>
+        </p:txBody>
+      </p:sp>
+      <p:sp>
+        <p:nvSpPr>
+          <p:cNvPr id="3" name="Content Placeholder 2">
+            <a:extLst>
+              <a:ext uri="{FF2B5EF4-FFF2-40B4-BE49-F238E27FC236}">
+                <a16:creationId xmlns:a16="http://schemas.microsoft.com/office/drawing/2014/main" id="{0B1BE08B-2410-40EA-9FA0-A4829293A329}"/>
+              </a:ext>
+            </a:extLst>
+          </p:cNvPr>
+          <p:cNvSpPr>
+            <a:spLocks noGrp="1"/>
+          </p:cNvSpPr>
+          <p:nvPr>
+            <p:ph idx="1"/>
+          </p:nvPr>
+        </p:nvSpPr>
+        <p:spPr/>
+        <p:txBody>
+          <a:bodyPr/>
+          <a:lstStyle/>
+          <a:p>
+            <a:r>
+              <a:rPr lang="ru-RU" dirty="0"/>
+              <a:t>Репутационные</a:t>
+            </a:r>
+          </a:p>
+          <a:p>
+            <a:endParaRPr lang="ru-RU" dirty="0"/>
+          </a:p>
+          <a:p>
+            <a:r>
+              <a:rPr lang="ru-RU" dirty="0"/>
+              <a:t>Много времени будет уходить на </a:t>
+            </a:r>
+            <a:r>
+              <a:rPr lang="ru-RU" dirty="0" err="1"/>
+              <a:t>ревью</a:t>
+            </a:r>
+            <a:endParaRPr lang="ru-RU" dirty="0"/>
+          </a:p>
+          <a:p>
+            <a:endParaRPr lang="ru-RU" dirty="0"/>
+          </a:p>
+          <a:p>
+            <a:r>
+              <a:rPr lang="ru-RU" dirty="0"/>
+              <a:t>Владение проектом</a:t>
+            </a:r>
+          </a:p>
+        </p:txBody>
+      </p:sp>
+      <p:sp>
+        <p:nvSpPr>
+          <p:cNvPr id="4" name="Slide Number Placeholder 3">
+            <a:extLst>
+              <a:ext uri="{FF2B5EF4-FFF2-40B4-BE49-F238E27FC236}">
+                <a16:creationId xmlns:a16="http://schemas.microsoft.com/office/drawing/2014/main" id="{5069A623-8ECB-453B-8E50-4780060354DB}"/>
+              </a:ext>
+            </a:extLst>
+          </p:cNvPr>
+          <p:cNvSpPr>
+            <a:spLocks noGrp="1"/>
+          </p:cNvSpPr>
+          <p:nvPr>
+            <p:ph type="sldNum" sz="quarter" idx="12"/>
+          </p:nvPr>
+        </p:nvSpPr>
+        <p:spPr/>
+        <p:txBody>
+          <a:bodyPr/>
+          <a:lstStyle/>
+          <a:p>
+            <a:fld id="{7E52E65D-D159-4FFD-8E13-76F17EC727ED}" type="slidenum">
+              <a:rPr lang="ru-RU" smtClean="0"/>
+              <a:pPr/>
+              <a:t>5</a:t>
+            </a:fld>
+            <a:endParaRPr lang="ru-RU" dirty="0"/>
+          </a:p>
+        </p:txBody>
+      </p:sp>
+    </p:spTree>
+    <p:extLst>
+      <p:ext uri="{BB962C8B-B14F-4D97-AF65-F5344CB8AC3E}">
+        <p14:creationId xmlns:p14="http://schemas.microsoft.com/office/powerpoint/2010/main" val="2012036888"/>
+      </p:ext>
+    </p:extLst>
+  </p:cSld>
+  <p:clrMapOvr>
+    <a:masterClrMapping/>
+  </p:clrMapOvr>
+</p:sld>
+</file>
+
+<file path=ppt/slides/slide6.xml><?xml version="1.0" encoding="utf-8"?>
 <p:sld xmlns:a="http://schemas.openxmlformats.org/drawingml/2006/main" xmlns:r="http://schemas.openxmlformats.org/officeDocument/2006/relationships" xmlns:p="http://schemas.openxmlformats.org/presentationml/2006/main">
   <p:cSld>
     <p:spTree>
@@ -5883,7 +7261,7 @@
 </p:sld>
 </file>
 
-<file path=ppt/slides/slide5.xml><?xml version="1.0" encoding="utf-8"?>
+<file path=ppt/slides/slide7.xml><?xml version="1.0" encoding="utf-8"?>
 <p:sld xmlns:a="http://schemas.openxmlformats.org/drawingml/2006/main" xmlns:r="http://schemas.openxmlformats.org/officeDocument/2006/relationships" xmlns:p="http://schemas.openxmlformats.org/presentationml/2006/main">
   <p:cSld>
     <p:spTree>
@@ -5956,8 +7334,13 @@
           <a:p>
             <a:r>
               <a:rPr lang="en-US" dirty="0"/>
-              <a:t>Redis</a:t>
-            </a:r>
+              <a:t>Redis + </a:t>
+            </a:r>
+            <a:r>
+              <a:rPr lang="en-US" dirty="0" err="1"/>
+              <a:t>MsgPack</a:t>
+            </a:r>
+            <a:endParaRPr lang="en-US" dirty="0"/>
           </a:p>
           <a:p>
             <a:endParaRPr lang="en-US" dirty="0"/>
@@ -6244,367 +7627,7 @@
 </p:sld>
 </file>
 
-<file path=ppt/slides/slide6.xml><?xml version="1.0" encoding="utf-8"?>
-<p:sld xmlns:a="http://schemas.openxmlformats.org/drawingml/2006/main" xmlns:r="http://schemas.openxmlformats.org/officeDocument/2006/relationships" xmlns:p="http://schemas.openxmlformats.org/presentationml/2006/main">
-  <p:cSld>
-    <p:spTree>
-      <p:nvGrpSpPr>
-        <p:cNvPr id="1" name=""/>
-        <p:cNvGrpSpPr/>
-        <p:nvPr/>
-      </p:nvGrpSpPr>
-      <p:grpSpPr>
-        <a:xfrm>
-          <a:off x="0" y="0"/>
-          <a:ext cx="0" cy="0"/>
-          <a:chOff x="0" y="0"/>
-          <a:chExt cx="0" cy="0"/>
-        </a:xfrm>
-      </p:grpSpPr>
-      <p:sp>
-        <p:nvSpPr>
-          <p:cNvPr id="2" name="Title 1">
-            <a:extLst>
-              <a:ext uri="{FF2B5EF4-FFF2-40B4-BE49-F238E27FC236}">
-                <a16:creationId xmlns:a16="http://schemas.microsoft.com/office/drawing/2014/main" id="{A03B99B7-4CB4-4DBC-831A-8C32CD9FBDD7}"/>
-              </a:ext>
-            </a:extLst>
-          </p:cNvPr>
-          <p:cNvSpPr>
-            <a:spLocks noGrp="1"/>
-          </p:cNvSpPr>
-          <p:nvPr>
-            <p:ph type="title"/>
-          </p:nvPr>
-        </p:nvSpPr>
-        <p:spPr/>
-        <p:txBody>
-          <a:bodyPr/>
-          <a:lstStyle/>
-          <a:p>
-            <a:r>
-              <a:rPr lang="en-US" dirty="0"/>
-              <a:t>Redis </a:t>
-            </a:r>
-            <a:r>
-              <a:rPr lang="ru-RU" dirty="0">
-                <a:sym typeface="Wingdings"/>
-              </a:rPr>
-              <a:t></a:t>
-            </a:r>
-            <a:r>
-              <a:rPr lang="en-US" dirty="0"/>
-              <a:t> </a:t>
-            </a:r>
-            <a:r>
-              <a:rPr lang="en-US" dirty="0" err="1"/>
-              <a:t>Tarantool</a:t>
-            </a:r>
-            <a:endParaRPr lang="ru-RU" dirty="0"/>
-          </a:p>
-        </p:txBody>
-      </p:sp>
-      <p:sp>
-        <p:nvSpPr>
-          <p:cNvPr id="3" name="Content Placeholder 2">
-            <a:extLst>
-              <a:ext uri="{FF2B5EF4-FFF2-40B4-BE49-F238E27FC236}">
-                <a16:creationId xmlns:a16="http://schemas.microsoft.com/office/drawing/2014/main" id="{9B6D1142-2241-41F2-9C6A-16A7F70F7B5F}"/>
-              </a:ext>
-            </a:extLst>
-          </p:cNvPr>
-          <p:cNvSpPr>
-            <a:spLocks noGrp="1"/>
-          </p:cNvSpPr>
-          <p:nvPr>
-            <p:ph idx="1"/>
-          </p:nvPr>
-        </p:nvSpPr>
-        <p:spPr/>
-        <p:txBody>
-          <a:bodyPr/>
-          <a:lstStyle/>
-          <a:p>
-            <a:r>
-              <a:rPr lang="ru-RU" dirty="0"/>
-              <a:t>Вторичные индексы</a:t>
-            </a:r>
-            <a:endParaRPr lang="en-US" dirty="0"/>
-          </a:p>
-          <a:p>
-            <a:endParaRPr lang="en-US" dirty="0"/>
-          </a:p>
-          <a:p>
-            <a:r>
-              <a:rPr lang="en-US" dirty="0"/>
-              <a:t>ACID</a:t>
-            </a:r>
-          </a:p>
-          <a:p>
-            <a:endParaRPr lang="en-US" dirty="0"/>
-          </a:p>
-          <a:p>
-            <a:r>
-              <a:rPr lang="en-US" dirty="0" err="1"/>
-              <a:t>MsgPack</a:t>
-            </a:r>
-            <a:endParaRPr lang="en-US" dirty="0"/>
-          </a:p>
-          <a:p>
-            <a:endParaRPr lang="ru-RU" dirty="0"/>
-          </a:p>
-          <a:p>
-            <a:r>
-              <a:rPr lang="ru-RU" dirty="0"/>
-              <a:t>Нет коннектора</a:t>
-            </a:r>
-            <a:endParaRPr lang="en-US" dirty="0"/>
-          </a:p>
-        </p:txBody>
-      </p:sp>
-    </p:spTree>
-    <p:extLst>
-      <p:ext uri="{BB962C8B-B14F-4D97-AF65-F5344CB8AC3E}">
-        <p14:creationId xmlns:p14="http://schemas.microsoft.com/office/powerpoint/2010/main" val="189256427"/>
-      </p:ext>
-    </p:extLst>
-  </p:cSld>
-  <p:clrMapOvr>
-    <a:masterClrMapping/>
-  </p:clrMapOvr>
-  <p:timing>
-    <p:tnLst>
-      <p:par>
-        <p:cTn id="1" dur="indefinite" restart="never" nodeType="tmRoot">
-          <p:childTnLst>
-            <p:seq concurrent="1" nextAc="seek">
-              <p:cTn id="2" dur="indefinite" nodeType="mainSeq">
-                <p:childTnLst>
-                  <p:par>
-                    <p:cTn id="3" fill="hold">
-                      <p:stCondLst>
-                        <p:cond delay="indefinite"/>
-                      </p:stCondLst>
-                      <p:childTnLst>
-                        <p:par>
-                          <p:cTn id="4" fill="hold">
-                            <p:stCondLst>
-                              <p:cond delay="0"/>
-                            </p:stCondLst>
-                            <p:childTnLst>
-                              <p:par>
-                                <p:cTn id="5" presetID="1" presetClass="entr" presetSubtype="0" fill="hold" grpId="0" nodeType="clickEffect">
-                                  <p:stCondLst>
-                                    <p:cond delay="0"/>
-                                  </p:stCondLst>
-                                  <p:childTnLst>
-                                    <p:set>
-                                      <p:cBhvr>
-                                        <p:cTn id="6" dur="1" fill="hold">
-                                          <p:stCondLst>
-                                            <p:cond delay="0"/>
-                                          </p:stCondLst>
-                                        </p:cTn>
-                                        <p:tgtEl>
-                                          <p:spTgt spid="3">
-                                            <p:txEl>
-                                              <p:pRg st="0" end="0"/>
-                                            </p:txEl>
-                                          </p:spTgt>
-                                        </p:tgtEl>
-                                        <p:attrNameLst>
-                                          <p:attrName>style.visibility</p:attrName>
-                                        </p:attrNameLst>
-                                      </p:cBhvr>
-                                      <p:to>
-                                        <p:strVal val="visible"/>
-                                      </p:to>
-                                    </p:set>
-                                  </p:childTnLst>
-                                </p:cTn>
-                              </p:par>
-                            </p:childTnLst>
-                          </p:cTn>
-                        </p:par>
-                      </p:childTnLst>
-                    </p:cTn>
-                  </p:par>
-                  <p:par>
-                    <p:cTn id="7" fill="hold">
-                      <p:stCondLst>
-                        <p:cond delay="indefinite"/>
-                      </p:stCondLst>
-                      <p:childTnLst>
-                        <p:par>
-                          <p:cTn id="8" fill="hold">
-                            <p:stCondLst>
-                              <p:cond delay="0"/>
-                            </p:stCondLst>
-                            <p:childTnLst>
-                              <p:par>
-                                <p:cTn id="9" presetID="1" presetClass="entr" presetSubtype="0" fill="hold" grpId="0" nodeType="clickEffect">
-                                  <p:stCondLst>
-                                    <p:cond delay="0"/>
-                                  </p:stCondLst>
-                                  <p:childTnLst>
-                                    <p:set>
-                                      <p:cBhvr>
-                                        <p:cTn id="10" dur="1" fill="hold">
-                                          <p:stCondLst>
-                                            <p:cond delay="0"/>
-                                          </p:stCondLst>
-                                        </p:cTn>
-                                        <p:tgtEl>
-                                          <p:spTgt spid="3">
-                                            <p:txEl>
-                                              <p:pRg st="2" end="2"/>
-                                            </p:txEl>
-                                          </p:spTgt>
-                                        </p:tgtEl>
-                                        <p:attrNameLst>
-                                          <p:attrName>style.visibility</p:attrName>
-                                        </p:attrNameLst>
-                                      </p:cBhvr>
-                                      <p:to>
-                                        <p:strVal val="visible"/>
-                                      </p:to>
-                                    </p:set>
-                                  </p:childTnLst>
-                                </p:cTn>
-                              </p:par>
-                            </p:childTnLst>
-                          </p:cTn>
-                        </p:par>
-                      </p:childTnLst>
-                    </p:cTn>
-                  </p:par>
-                  <p:par>
-                    <p:cTn id="11" fill="hold">
-                      <p:stCondLst>
-                        <p:cond delay="indefinite"/>
-                      </p:stCondLst>
-                      <p:childTnLst>
-                        <p:par>
-                          <p:cTn id="12" fill="hold">
-                            <p:stCondLst>
-                              <p:cond delay="0"/>
-                            </p:stCondLst>
-                            <p:childTnLst>
-                              <p:par>
-                                <p:cTn id="13" presetID="1" presetClass="entr" presetSubtype="0" fill="hold" grpId="0" nodeType="clickEffect">
-                                  <p:stCondLst>
-                                    <p:cond delay="0"/>
-                                  </p:stCondLst>
-                                  <p:childTnLst>
-                                    <p:set>
-                                      <p:cBhvr>
-                                        <p:cTn id="14" dur="1" fill="hold">
-                                          <p:stCondLst>
-                                            <p:cond delay="0"/>
-                                          </p:stCondLst>
-                                        </p:cTn>
-                                        <p:tgtEl>
-                                          <p:spTgt spid="3">
-                                            <p:txEl>
-                                              <p:pRg st="4" end="4"/>
-                                            </p:txEl>
-                                          </p:spTgt>
-                                        </p:tgtEl>
-                                        <p:attrNameLst>
-                                          <p:attrName>style.visibility</p:attrName>
-                                        </p:attrNameLst>
-                                      </p:cBhvr>
-                                      <p:to>
-                                        <p:strVal val="visible"/>
-                                      </p:to>
-                                    </p:set>
-                                  </p:childTnLst>
-                                </p:cTn>
-                              </p:par>
-                            </p:childTnLst>
-                          </p:cTn>
-                        </p:par>
-                      </p:childTnLst>
-                    </p:cTn>
-                  </p:par>
-                  <p:par>
-                    <p:cTn id="15" fill="hold">
-                      <p:stCondLst>
-                        <p:cond delay="indefinite"/>
-                      </p:stCondLst>
-                      <p:childTnLst>
-                        <p:par>
-                          <p:cTn id="16" fill="hold">
-                            <p:stCondLst>
-                              <p:cond delay="0"/>
-                            </p:stCondLst>
-                            <p:childTnLst>
-                              <p:par>
-                                <p:cTn id="17" presetID="1" presetClass="entr" presetSubtype="0" fill="hold" grpId="0" nodeType="clickEffect">
-                                  <p:stCondLst>
-                                    <p:cond delay="0"/>
-                                  </p:stCondLst>
-                                  <p:childTnLst>
-                                    <p:set>
-                                      <p:cBhvr>
-                                        <p:cTn id="18" dur="1" fill="hold">
-                                          <p:stCondLst>
-                                            <p:cond delay="0"/>
-                                          </p:stCondLst>
-                                        </p:cTn>
-                                        <p:tgtEl>
-                                          <p:spTgt spid="3">
-                                            <p:txEl>
-                                              <p:pRg st="6" end="6"/>
-                                            </p:txEl>
-                                          </p:spTgt>
-                                        </p:tgtEl>
-                                        <p:attrNameLst>
-                                          <p:attrName>style.visibility</p:attrName>
-                                        </p:attrNameLst>
-                                      </p:cBhvr>
-                                      <p:to>
-                                        <p:strVal val="visible"/>
-                                      </p:to>
-                                    </p:set>
-                                  </p:childTnLst>
-                                </p:cTn>
-                              </p:par>
-                            </p:childTnLst>
-                          </p:cTn>
-                        </p:par>
-                      </p:childTnLst>
-                    </p:cTn>
-                  </p:par>
-                </p:childTnLst>
-              </p:cTn>
-              <p:prevCondLst>
-                <p:cond evt="onPrev" delay="0">
-                  <p:tgtEl>
-                    <p:sldTgt/>
-                  </p:tgtEl>
-                </p:cond>
-              </p:prevCondLst>
-              <p:nextCondLst>
-                <p:cond evt="onNext" delay="0">
-                  <p:tgtEl>
-                    <p:sldTgt/>
-                  </p:tgtEl>
-                </p:cond>
-              </p:nextCondLst>
-            </p:seq>
-          </p:childTnLst>
-        </p:cTn>
-      </p:par>
-    </p:tnLst>
-    <p:bldLst>
-      <p:bldP spid="3" grpId="0" build="p"/>
-    </p:bldLst>
-  </p:timing>
-</p:sld>
-</file>
-
-<file path=ppt/slides/slide7.xml><?xml version="1.0" encoding="utf-8"?>
+<file path=ppt/slides/slide8.xml><?xml version="1.0" encoding="utf-8"?>
 <p:sld xmlns:a="http://schemas.openxmlformats.org/drawingml/2006/main" xmlns:r="http://schemas.openxmlformats.org/officeDocument/2006/relationships" xmlns:p="http://schemas.openxmlformats.org/presentationml/2006/main">
   <p:cSld>
     <p:spTree>
@@ -6884,315 +7907,6 @@
 </p:sld>
 </file>
 
-<file path=ppt/slides/slide8.xml><?xml version="1.0" encoding="utf-8"?>
-<p:sld xmlns:a="http://schemas.openxmlformats.org/drawingml/2006/main" xmlns:r="http://schemas.openxmlformats.org/officeDocument/2006/relationships" xmlns:p="http://schemas.openxmlformats.org/presentationml/2006/main">
-  <p:cSld>
-    <p:spTree>
-      <p:nvGrpSpPr>
-        <p:cNvPr id="1" name=""/>
-        <p:cNvGrpSpPr/>
-        <p:nvPr/>
-      </p:nvGrpSpPr>
-      <p:grpSpPr>
-        <a:xfrm>
-          <a:off x="0" y="0"/>
-          <a:ext cx="0" cy="0"/>
-          <a:chOff x="0" y="0"/>
-          <a:chExt cx="0" cy="0"/>
-        </a:xfrm>
-      </p:grpSpPr>
-      <p:sp>
-        <p:nvSpPr>
-          <p:cNvPr id="2" name="Title 1">
-            <a:extLst>
-              <a:ext uri="{FF2B5EF4-FFF2-40B4-BE49-F238E27FC236}">
-                <a16:creationId xmlns:a16="http://schemas.microsoft.com/office/drawing/2014/main" id="{ACEF3E7C-9082-4100-8E25-2D8677E3E406}"/>
-              </a:ext>
-            </a:extLst>
-          </p:cNvPr>
-          <p:cNvSpPr>
-            <a:spLocks noGrp="1"/>
-          </p:cNvSpPr>
-          <p:nvPr>
-            <p:ph type="title"/>
-          </p:nvPr>
-        </p:nvSpPr>
-        <p:spPr/>
-        <p:txBody>
-          <a:bodyPr/>
-          <a:lstStyle/>
-          <a:p>
-            <a:r>
-              <a:rPr lang="ru-RU" dirty="0"/>
-              <a:t>Подготовка</a:t>
-            </a:r>
-          </a:p>
-        </p:txBody>
-      </p:sp>
-      <p:sp>
-        <p:nvSpPr>
-          <p:cNvPr id="3" name="Content Placeholder 2">
-            <a:extLst>
-              <a:ext uri="{FF2B5EF4-FFF2-40B4-BE49-F238E27FC236}">
-                <a16:creationId xmlns:a16="http://schemas.microsoft.com/office/drawing/2014/main" id="{D9245FF5-1CB5-4876-8E9D-E6EA0AB96625}"/>
-              </a:ext>
-            </a:extLst>
-          </p:cNvPr>
-          <p:cNvSpPr>
-            <a:spLocks noGrp="1"/>
-          </p:cNvSpPr>
-          <p:nvPr>
-            <p:ph idx="1"/>
-          </p:nvPr>
-        </p:nvSpPr>
-        <p:spPr/>
-        <p:txBody>
-          <a:bodyPr/>
-          <a:lstStyle/>
-          <a:p>
-            <a:r>
-              <a:rPr lang="ru-RU" dirty="0"/>
-              <a:t>27 июня 2016 – </a:t>
-            </a:r>
-            <a:r>
-              <a:rPr lang="en-US" dirty="0" err="1"/>
-              <a:t>.net</a:t>
-            </a:r>
-            <a:r>
-              <a:rPr lang="en-US" dirty="0"/>
-              <a:t> core 1.0 release</a:t>
-            </a:r>
-          </a:p>
-          <a:p>
-            <a:endParaRPr lang="en-US" dirty="0"/>
-          </a:p>
-          <a:p>
-            <a:r>
-              <a:rPr lang="en-US" dirty="0"/>
-              <a:t>05 </a:t>
-            </a:r>
-            <a:r>
-              <a:rPr lang="ru-RU" dirty="0"/>
-              <a:t>апреля 2016 – первый коммит</a:t>
-            </a:r>
-          </a:p>
-          <a:p>
-            <a:endParaRPr lang="ru-RU" dirty="0"/>
-          </a:p>
-          <a:p>
-            <a:r>
-              <a:rPr lang="ru-RU" dirty="0"/>
-              <a:t>Было несколько форков</a:t>
-            </a:r>
-            <a:r>
-              <a:rPr lang="en-US" dirty="0"/>
-              <a:t> </a:t>
-            </a:r>
-            <a:r>
-              <a:rPr lang="ru-RU" dirty="0"/>
-              <a:t>всякого из </a:t>
-            </a:r>
-            <a:r>
-              <a:rPr lang="en-US" dirty="0"/>
-              <a:t>OSS</a:t>
-            </a:r>
-            <a:endParaRPr lang="ru-RU" dirty="0"/>
-          </a:p>
-        </p:txBody>
-      </p:sp>
-    </p:spTree>
-    <p:extLst>
-      <p:ext uri="{BB962C8B-B14F-4D97-AF65-F5344CB8AC3E}">
-        <p14:creationId xmlns:p14="http://schemas.microsoft.com/office/powerpoint/2010/main" val="1259121275"/>
-      </p:ext>
-    </p:extLst>
-  </p:cSld>
-  <p:clrMapOvr>
-    <a:masterClrMapping/>
-  </p:clrMapOvr>
-  <p:timing>
-    <p:tnLst>
-      <p:par>
-        <p:cTn id="1" dur="indefinite" restart="never" nodeType="tmRoot">
-          <p:childTnLst>
-            <p:seq concurrent="1" nextAc="seek">
-              <p:cTn id="2" dur="indefinite" nodeType="mainSeq">
-                <p:childTnLst>
-                  <p:par>
-                    <p:cTn id="3" fill="hold">
-                      <p:stCondLst>
-                        <p:cond delay="indefinite"/>
-                      </p:stCondLst>
-                      <p:childTnLst>
-                        <p:par>
-                          <p:cTn id="4" fill="hold">
-                            <p:stCondLst>
-                              <p:cond delay="0"/>
-                            </p:stCondLst>
-                            <p:childTnLst>
-                              <p:par>
-                                <p:cTn id="5" presetID="1" presetClass="entr" presetSubtype="0" fill="hold" grpId="0" nodeType="clickEffect">
-                                  <p:stCondLst>
-                                    <p:cond delay="0"/>
-                                  </p:stCondLst>
-                                  <p:childTnLst>
-                                    <p:set>
-                                      <p:cBhvr>
-                                        <p:cTn id="6" dur="1" fill="hold">
-                                          <p:stCondLst>
-                                            <p:cond delay="0"/>
-                                          </p:stCondLst>
-                                        </p:cTn>
-                                        <p:tgtEl>
-                                          <p:spTgt spid="3">
-                                            <p:txEl>
-                                              <p:pRg st="0" end="0"/>
-                                            </p:txEl>
-                                          </p:spTgt>
-                                        </p:tgtEl>
-                                        <p:attrNameLst>
-                                          <p:attrName>style.visibility</p:attrName>
-                                        </p:attrNameLst>
-                                      </p:cBhvr>
-                                      <p:to>
-                                        <p:strVal val="visible"/>
-                                      </p:to>
-                                    </p:set>
-                                  </p:childTnLst>
-                                </p:cTn>
-                              </p:par>
-                            </p:childTnLst>
-                          </p:cTn>
-                        </p:par>
-                      </p:childTnLst>
-                    </p:cTn>
-                  </p:par>
-                  <p:par>
-                    <p:cTn id="7" fill="hold">
-                      <p:stCondLst>
-                        <p:cond delay="indefinite"/>
-                      </p:stCondLst>
-                      <p:childTnLst>
-                        <p:par>
-                          <p:cTn id="8" fill="hold">
-                            <p:stCondLst>
-                              <p:cond delay="0"/>
-                            </p:stCondLst>
-                            <p:childTnLst>
-                              <p:par>
-                                <p:cTn id="9" presetID="1" presetClass="entr" presetSubtype="0" fill="hold" grpId="0" nodeType="clickEffect">
-                                  <p:stCondLst>
-                                    <p:cond delay="0"/>
-                                  </p:stCondLst>
-                                  <p:childTnLst>
-                                    <p:set>
-                                      <p:cBhvr>
-                                        <p:cTn id="10" dur="1" fill="hold">
-                                          <p:stCondLst>
-                                            <p:cond delay="0"/>
-                                          </p:stCondLst>
-                                        </p:cTn>
-                                        <p:tgtEl>
-                                          <p:spTgt spid="3">
-                                            <p:txEl>
-                                              <p:pRg st="2" end="2"/>
-                                            </p:txEl>
-                                          </p:spTgt>
-                                        </p:tgtEl>
-                                        <p:attrNameLst>
-                                          <p:attrName>style.visibility</p:attrName>
-                                        </p:attrNameLst>
-                                      </p:cBhvr>
-                                      <p:to>
-                                        <p:strVal val="visible"/>
-                                      </p:to>
-                                    </p:set>
-                                  </p:childTnLst>
-                                </p:cTn>
-                              </p:par>
-                            </p:childTnLst>
-                          </p:cTn>
-                        </p:par>
-                      </p:childTnLst>
-                    </p:cTn>
-                  </p:par>
-                  <p:par>
-                    <p:cTn id="11" fill="hold">
-                      <p:stCondLst>
-                        <p:cond delay="indefinite"/>
-                      </p:stCondLst>
-                      <p:childTnLst>
-                        <p:par>
-                          <p:cTn id="12" fill="hold">
-                            <p:stCondLst>
-                              <p:cond delay="0"/>
-                            </p:stCondLst>
-                            <p:childTnLst>
-                              <p:par>
-                                <p:cTn id="13" presetID="1" presetClass="entr" presetSubtype="0" fill="hold" grpId="0" nodeType="clickEffect">
-                                  <p:stCondLst>
-                                    <p:cond delay="0"/>
-                                  </p:stCondLst>
-                                  <p:childTnLst>
-                                    <p:set>
-                                      <p:cBhvr>
-                                        <p:cTn id="14" dur="1" fill="hold">
-                                          <p:stCondLst>
-                                            <p:cond delay="0"/>
-                                          </p:stCondLst>
-                                        </p:cTn>
-                                        <p:tgtEl>
-                                          <p:spTgt spid="3">
-                                            <p:txEl>
-                                              <p:pRg st="4" end="4"/>
-                                            </p:txEl>
-                                          </p:spTgt>
-                                        </p:tgtEl>
-                                        <p:attrNameLst>
-                                          <p:attrName>style.visibility</p:attrName>
-                                        </p:attrNameLst>
-                                      </p:cBhvr>
-                                      <p:to>
-                                        <p:strVal val="visible"/>
-                                      </p:to>
-                                    </p:set>
-                                  </p:childTnLst>
-                                </p:cTn>
-                              </p:par>
-                            </p:childTnLst>
-                          </p:cTn>
-                        </p:par>
-                      </p:childTnLst>
-                    </p:cTn>
-                  </p:par>
-                </p:childTnLst>
-              </p:cTn>
-              <p:prevCondLst>
-                <p:cond evt="onPrev" delay="0">
-                  <p:tgtEl>
-                    <p:sldTgt/>
-                  </p:tgtEl>
-                </p:cond>
-              </p:prevCondLst>
-              <p:nextCondLst>
-                <p:cond evt="onNext" delay="0">
-                  <p:tgtEl>
-                    <p:sldTgt/>
-                  </p:tgtEl>
-                </p:cond>
-              </p:nextCondLst>
-            </p:seq>
-          </p:childTnLst>
-        </p:cTn>
-      </p:par>
-    </p:tnLst>
-    <p:bldLst>
-      <p:bldP spid="3" grpId="0" build="p"/>
-    </p:bldLst>
-  </p:timing>
-</p:sld>
-</file>
-
 <file path=ppt/slides/slide9.xml><?xml version="1.0" encoding="utf-8"?>
 <p:sld xmlns:a="http://schemas.openxmlformats.org/drawingml/2006/main" xmlns:r="http://schemas.openxmlformats.org/officeDocument/2006/relationships" xmlns:p="http://schemas.openxmlformats.org/presentationml/2006/main">
   <p:cSld>
@@ -7215,7 +7929,7 @@
           <p:cNvPr id="2" name="Title 1">
             <a:extLst>
               <a:ext uri="{FF2B5EF4-FFF2-40B4-BE49-F238E27FC236}">
-                <a16:creationId xmlns:a16="http://schemas.microsoft.com/office/drawing/2014/main" id="{ACEF3E7C-9082-4100-8E25-2D8677E3E406}"/>
+                <a16:creationId xmlns:a16="http://schemas.microsoft.com/office/drawing/2014/main" id="{1AB96957-B962-4E7C-BBA3-EB88033E901A}"/>
               </a:ext>
             </a:extLst>
           </p:cNvPr>
@@ -7232,9 +7946,22 @@
           <a:lstStyle/>
           <a:p>
             <a:r>
-              <a:rPr lang="ru-RU" dirty="0"/>
-              <a:t>Процесс</a:t>
-            </a:r>
+              <a:rPr lang="en-US" dirty="0" err="1"/>
+              <a:t>Msgpack</a:t>
+            </a:r>
+            <a:r>
+              <a:rPr lang="en-US" dirty="0"/>
+              <a:t> in </a:t>
+            </a:r>
+            <a:r>
+              <a:rPr lang="en-US" dirty="0" err="1"/>
+              <a:t>.net</a:t>
+            </a:r>
+            <a:r>
+              <a:rPr lang="en-US" dirty="0"/>
+              <a:t> [2015]</a:t>
+            </a:r>
+            <a:endParaRPr lang="ru-RU" dirty="0"/>
           </a:p>
         </p:txBody>
       </p:sp>
@@ -7243,7 +7970,7 @@
           <p:cNvPr id="3" name="Content Placeholder 2">
             <a:extLst>
               <a:ext uri="{FF2B5EF4-FFF2-40B4-BE49-F238E27FC236}">
-                <a16:creationId xmlns:a16="http://schemas.microsoft.com/office/drawing/2014/main" id="{D9245FF5-1CB5-4876-8E9D-E6EA0AB96625}"/>
+                <a16:creationId xmlns:a16="http://schemas.microsoft.com/office/drawing/2014/main" id="{1B9045CA-D0A5-4273-BA4D-467F67F02CB8}"/>
               </a:ext>
             </a:extLst>
           </p:cNvPr>
@@ -7260,8 +7987,18 @@
           <a:lstStyle/>
           <a:p>
             <a:r>
+              <a:rPr lang="en-US" dirty="0" err="1"/>
+              <a:t>MsgPack.CLI</a:t>
+            </a:r>
+            <a:endParaRPr lang="en-US" dirty="0"/>
+          </a:p>
+          <a:p>
+            <a:endParaRPr lang="en-US" dirty="0"/>
+          </a:p>
+          <a:p>
+            <a:r>
               <a:rPr lang="en-US" dirty="0"/>
-              <a:t>CI/CD</a:t>
+              <a:t>Windows-only</a:t>
             </a:r>
           </a:p>
           <a:p>
@@ -7270,11 +8007,11 @@
           <a:p>
             <a:r>
               <a:rPr lang="en-US" dirty="0"/>
-              <a:t>Scrum, Kanban, </a:t>
+              <a:t>Full </a:t>
             </a:r>
             <a:r>
               <a:rPr lang="en-US" dirty="0" err="1"/>
-              <a:t>etc</a:t>
+              <a:t>.net</a:t>
             </a:r>
             <a:endParaRPr lang="en-US" dirty="0"/>
           </a:p>
@@ -7283,15 +8020,42 @@
           </a:p>
           <a:p>
             <a:r>
-              <a:rPr lang="en-US" dirty="0"/>
-              <a:t>Open/open-closed?</a:t>
-            </a:r>
+              <a:rPr lang="en-US" dirty="0" err="1"/>
+              <a:t>progaugi.msgpack.light</a:t>
+            </a:r>
+            <a:endParaRPr lang="en-US" dirty="0"/>
+          </a:p>
+          <a:p>
             <a:endParaRPr lang="ru-RU" dirty="0"/>
           </a:p>
-          <a:p>
-            <a:endParaRPr lang="ru-RU" dirty="0"/>
-          </a:p>
-          <a:p>
+        </p:txBody>
+      </p:sp>
+      <p:sp>
+        <p:nvSpPr>
+          <p:cNvPr id="4" name="Slide Number Placeholder 3">
+            <a:extLst>
+              <a:ext uri="{FF2B5EF4-FFF2-40B4-BE49-F238E27FC236}">
+                <a16:creationId xmlns:a16="http://schemas.microsoft.com/office/drawing/2014/main" id="{E33E2DF8-372F-484D-BC94-839443AC7A1C}"/>
+              </a:ext>
+            </a:extLst>
+          </p:cNvPr>
+          <p:cNvSpPr>
+            <a:spLocks noGrp="1"/>
+          </p:cNvSpPr>
+          <p:nvPr>
+            <p:ph type="sldNum" sz="quarter" idx="12"/>
+          </p:nvPr>
+        </p:nvSpPr>
+        <p:spPr/>
+        <p:txBody>
+          <a:bodyPr/>
+          <a:lstStyle/>
+          <a:p>
+            <a:fld id="{7E52E65D-D159-4FFD-8E13-76F17EC727ED}" type="slidenum">
+              <a:rPr lang="ru-RU" smtClean="0"/>
+              <a:pPr/>
+              <a:t>9</a:t>
+            </a:fld>
             <a:endParaRPr lang="ru-RU" dirty="0"/>
           </a:p>
         </p:txBody>
@@ -7299,193 +8063,13 @@
     </p:spTree>
     <p:extLst>
       <p:ext uri="{BB962C8B-B14F-4D97-AF65-F5344CB8AC3E}">
-        <p14:creationId xmlns:p14="http://schemas.microsoft.com/office/powerpoint/2010/main" val="2119692846"/>
+        <p14:creationId xmlns:p14="http://schemas.microsoft.com/office/powerpoint/2010/main" val="148138416"/>
       </p:ext>
     </p:extLst>
   </p:cSld>
   <p:clrMapOvr>
     <a:masterClrMapping/>
   </p:clrMapOvr>
-  <p:timing>
-    <p:tnLst>
-      <p:par>
-        <p:cTn id="1" dur="indefinite" restart="never" nodeType="tmRoot">
-          <p:childTnLst>
-            <p:seq concurrent="1" nextAc="seek">
-              <p:cTn id="2" dur="indefinite" nodeType="mainSeq">
-                <p:childTnLst>
-                  <p:par>
-                    <p:cTn id="3" fill="hold">
-                      <p:stCondLst>
-                        <p:cond delay="indefinite"/>
-                      </p:stCondLst>
-                      <p:childTnLst>
-                        <p:par>
-                          <p:cTn id="4" fill="hold">
-                            <p:stCondLst>
-                              <p:cond delay="0"/>
-                            </p:stCondLst>
-                            <p:childTnLst>
-                              <p:par>
-                                <p:cTn id="5" presetID="1" presetClass="entr" presetSubtype="0" fill="hold" grpId="0" nodeType="clickEffect">
-                                  <p:stCondLst>
-                                    <p:cond delay="0"/>
-                                  </p:stCondLst>
-                                  <p:childTnLst>
-                                    <p:set>
-                                      <p:cBhvr>
-                                        <p:cTn id="6" dur="1" fill="hold">
-                                          <p:stCondLst>
-                                            <p:cond delay="0"/>
-                                          </p:stCondLst>
-                                        </p:cTn>
-                                        <p:tgtEl>
-                                          <p:spTgt spid="3">
-                                            <p:txEl>
-                                              <p:pRg st="0" end="0"/>
-                                            </p:txEl>
-                                          </p:spTgt>
-                                        </p:tgtEl>
-                                        <p:attrNameLst>
-                                          <p:attrName>style.visibility</p:attrName>
-                                        </p:attrNameLst>
-                                      </p:cBhvr>
-                                      <p:to>
-                                        <p:strVal val="visible"/>
-                                      </p:to>
-                                    </p:set>
-                                  </p:childTnLst>
-                                </p:cTn>
-                              </p:par>
-                            </p:childTnLst>
-                          </p:cTn>
-                        </p:par>
-                      </p:childTnLst>
-                    </p:cTn>
-                  </p:par>
-                  <p:par>
-                    <p:cTn id="7" fill="hold">
-                      <p:stCondLst>
-                        <p:cond delay="indefinite"/>
-                      </p:stCondLst>
-                      <p:childTnLst>
-                        <p:par>
-                          <p:cTn id="8" fill="hold">
-                            <p:stCondLst>
-                              <p:cond delay="0"/>
-                            </p:stCondLst>
-                            <p:childTnLst>
-                              <p:par>
-                                <p:cTn id="9" presetID="1" presetClass="entr" presetSubtype="0" fill="hold" grpId="0" nodeType="clickEffect">
-                                  <p:stCondLst>
-                                    <p:cond delay="0"/>
-                                  </p:stCondLst>
-                                  <p:childTnLst>
-                                    <p:set>
-                                      <p:cBhvr>
-                                        <p:cTn id="10" dur="1" fill="hold">
-                                          <p:stCondLst>
-                                            <p:cond delay="0"/>
-                                          </p:stCondLst>
-                                        </p:cTn>
-                                        <p:tgtEl>
-                                          <p:spTgt spid="3">
-                                            <p:txEl>
-                                              <p:pRg st="2" end="2"/>
-                                            </p:txEl>
-                                          </p:spTgt>
-                                        </p:tgtEl>
-                                        <p:attrNameLst>
-                                          <p:attrName>style.visibility</p:attrName>
-                                        </p:attrNameLst>
-                                      </p:cBhvr>
-                                      <p:to>
-                                        <p:strVal val="visible"/>
-                                      </p:to>
-                                    </p:set>
-                                  </p:childTnLst>
-                                </p:cTn>
-                              </p:par>
-                            </p:childTnLst>
-                          </p:cTn>
-                        </p:par>
-                      </p:childTnLst>
-                    </p:cTn>
-                  </p:par>
-                  <p:par>
-                    <p:cTn id="11" fill="hold">
-                      <p:stCondLst>
-                        <p:cond delay="indefinite"/>
-                      </p:stCondLst>
-                      <p:childTnLst>
-                        <p:par>
-                          <p:cTn id="12" fill="hold">
-                            <p:stCondLst>
-                              <p:cond delay="0"/>
-                            </p:stCondLst>
-                            <p:childTnLst>
-                              <p:par>
-                                <p:cTn id="13" presetID="1" presetClass="entr" presetSubtype="0" fill="hold" grpId="0" nodeType="clickEffect">
-                                  <p:stCondLst>
-                                    <p:cond delay="0"/>
-                                  </p:stCondLst>
-                                  <p:childTnLst>
-                                    <p:set>
-                                      <p:cBhvr>
-                                        <p:cTn id="14" dur="1" fill="hold">
-                                          <p:stCondLst>
-                                            <p:cond delay="0"/>
-                                          </p:stCondLst>
-                                        </p:cTn>
-                                        <p:tgtEl>
-                                          <p:spTgt spid="3">
-                                            <p:txEl>
-                                              <p:pRg st="4" end="4"/>
-                                            </p:txEl>
-                                          </p:spTgt>
-                                        </p:tgtEl>
-                                        <p:attrNameLst>
-                                          <p:attrName>style.visibility</p:attrName>
-                                        </p:attrNameLst>
-                                      </p:cBhvr>
-                                      <p:to>
-                                        <p:strVal val="visible"/>
-                                      </p:to>
-                                    </p:set>
-                                  </p:childTnLst>
-                                </p:cTn>
-                              </p:par>
-                            </p:childTnLst>
-                          </p:cTn>
-                        </p:par>
-                      </p:childTnLst>
-                    </p:cTn>
-                  </p:par>
-                </p:childTnLst>
-              </p:cTn>
-              <p:prevCondLst>
-                <p:cond evt="onPrev" delay="0">
-                  <p:tgtEl>
-                    <p:sldTgt/>
-                  </p:tgtEl>
-                </p:cond>
-              </p:prevCondLst>
-              <p:nextCondLst>
-                <p:cond evt="onNext" delay="0">
-                  <p:tgtEl>
-                    <p:sldTgt/>
-                  </p:tgtEl>
-                </p:cond>
-              </p:nextCondLst>
-            </p:seq>
-          </p:childTnLst>
-        </p:cTn>
-      </p:par>
-    </p:tnLst>
-    <p:bldLst>
-      <p:bldP spid="3" grpId="0" build="p"/>
-    </p:bldLst>
-  </p:timing>
 </p:sld>
 </file>
 

--- a/2019/03/htp.2019.03.04-02.pptx
+++ b/2019/03/htp.2019.03.04-02.pptx
@@ -3749,7 +3749,7 @@
         </p:blipFill>
         <p:spPr>
           <a:xfrm>
-            <a:off x="149746" y="136525"/>
+            <a:off x="507193" y="351357"/>
             <a:ext cx="1009650" cy="247650"/>
           </a:xfrm>
           <a:prstGeom prst="rect">
@@ -3785,7 +3785,7 @@
         </p:blipFill>
         <p:spPr>
           <a:xfrm>
-            <a:off x="10675360" y="86518"/>
+            <a:off x="10341781" y="230188"/>
             <a:ext cx="1343026" cy="557213"/>
           </a:xfrm>
           <a:prstGeom prst="rect">
